--- a/씨애랑_SW전시회_ppt.pptx
+++ b/씨애랑_SW전시회_ppt.pptx
@@ -7,8 +7,10 @@
   <p:sldIdLst>
     <p:sldId id="296" r:id="rId2"/>
     <p:sldId id="257" r:id="rId3"/>
-    <p:sldId id="300" r:id="rId4"/>
-    <p:sldId id="301" r:id="rId5"/>
+    <p:sldId id="302" r:id="rId4"/>
+    <p:sldId id="300" r:id="rId5"/>
+    <p:sldId id="303" r:id="rId6"/>
+    <p:sldId id="301" r:id="rId7"/>
   </p:sldIdLst>
   <p:sldSz cx="12192000" cy="6858000"/>
   <p:notesSz cx="6858000" cy="9144000"/>
@@ -262,7 +264,7 @@
           <a:p>
             <a:fld id="{9B32EAF0-FF3A-4BDF-BCB7-82D6812D32E9}" type="datetimeFigureOut">
               <a:rPr lang="ko-KR" altLang="en-US" smtClean="0"/>
-              <a:t>2022-07-19</a:t>
+              <a:t>2022-10-30</a:t>
             </a:fld>
             <a:endParaRPr lang="ko-KR" altLang="en-US"/>
           </a:p>
@@ -460,7 +462,7 @@
           <a:p>
             <a:fld id="{9B32EAF0-FF3A-4BDF-BCB7-82D6812D32E9}" type="datetimeFigureOut">
               <a:rPr lang="ko-KR" altLang="en-US" smtClean="0"/>
-              <a:t>2022-07-19</a:t>
+              <a:t>2022-10-30</a:t>
             </a:fld>
             <a:endParaRPr lang="ko-KR" altLang="en-US"/>
           </a:p>
@@ -668,7 +670,7 @@
           <a:p>
             <a:fld id="{9B32EAF0-FF3A-4BDF-BCB7-82D6812D32E9}" type="datetimeFigureOut">
               <a:rPr lang="ko-KR" altLang="en-US" smtClean="0"/>
-              <a:t>2022-07-19</a:t>
+              <a:t>2022-10-30</a:t>
             </a:fld>
             <a:endParaRPr lang="ko-KR" altLang="en-US"/>
           </a:p>
@@ -866,7 +868,7 @@
           <a:p>
             <a:fld id="{9B32EAF0-FF3A-4BDF-BCB7-82D6812D32E9}" type="datetimeFigureOut">
               <a:rPr lang="ko-KR" altLang="en-US" smtClean="0"/>
-              <a:t>2022-07-19</a:t>
+              <a:t>2022-10-30</a:t>
             </a:fld>
             <a:endParaRPr lang="ko-KR" altLang="en-US"/>
           </a:p>
@@ -1141,7 +1143,7 @@
           <a:p>
             <a:fld id="{9B32EAF0-FF3A-4BDF-BCB7-82D6812D32E9}" type="datetimeFigureOut">
               <a:rPr lang="ko-KR" altLang="en-US" smtClean="0"/>
-              <a:t>2022-07-19</a:t>
+              <a:t>2022-10-30</a:t>
             </a:fld>
             <a:endParaRPr lang="ko-KR" altLang="en-US"/>
           </a:p>
@@ -1406,7 +1408,7 @@
           <a:p>
             <a:fld id="{9B32EAF0-FF3A-4BDF-BCB7-82D6812D32E9}" type="datetimeFigureOut">
               <a:rPr lang="ko-KR" altLang="en-US" smtClean="0"/>
-              <a:t>2022-07-19</a:t>
+              <a:t>2022-10-30</a:t>
             </a:fld>
             <a:endParaRPr lang="ko-KR" altLang="en-US"/>
           </a:p>
@@ -1818,7 +1820,7 @@
           <a:p>
             <a:fld id="{9B32EAF0-FF3A-4BDF-BCB7-82D6812D32E9}" type="datetimeFigureOut">
               <a:rPr lang="ko-KR" altLang="en-US" smtClean="0"/>
-              <a:t>2022-07-19</a:t>
+              <a:t>2022-10-30</a:t>
             </a:fld>
             <a:endParaRPr lang="ko-KR" altLang="en-US"/>
           </a:p>
@@ -1959,7 +1961,7 @@
           <a:p>
             <a:fld id="{9B32EAF0-FF3A-4BDF-BCB7-82D6812D32E9}" type="datetimeFigureOut">
               <a:rPr lang="ko-KR" altLang="en-US" smtClean="0"/>
-              <a:t>2022-07-19</a:t>
+              <a:t>2022-10-30</a:t>
             </a:fld>
             <a:endParaRPr lang="ko-KR" altLang="en-US"/>
           </a:p>
@@ -2072,7 +2074,7 @@
           <a:p>
             <a:fld id="{9B32EAF0-FF3A-4BDF-BCB7-82D6812D32E9}" type="datetimeFigureOut">
               <a:rPr lang="ko-KR" altLang="en-US" smtClean="0"/>
-              <a:t>2022-07-19</a:t>
+              <a:t>2022-10-30</a:t>
             </a:fld>
             <a:endParaRPr lang="ko-KR" altLang="en-US"/>
           </a:p>
@@ -2383,7 +2385,7 @@
           <a:p>
             <a:fld id="{9B32EAF0-FF3A-4BDF-BCB7-82D6812D32E9}" type="datetimeFigureOut">
               <a:rPr lang="ko-KR" altLang="en-US" smtClean="0"/>
-              <a:t>2022-07-19</a:t>
+              <a:t>2022-10-30</a:t>
             </a:fld>
             <a:endParaRPr lang="ko-KR" altLang="en-US"/>
           </a:p>
@@ -2671,7 +2673,7 @@
           <a:p>
             <a:fld id="{9B32EAF0-FF3A-4BDF-BCB7-82D6812D32E9}" type="datetimeFigureOut">
               <a:rPr lang="ko-KR" altLang="en-US" smtClean="0"/>
-              <a:t>2022-07-19</a:t>
+              <a:t>2022-10-30</a:t>
             </a:fld>
             <a:endParaRPr lang="ko-KR" altLang="en-US"/>
           </a:p>
@@ -2912,7 +2914,7 @@
           <a:p>
             <a:fld id="{9B32EAF0-FF3A-4BDF-BCB7-82D6812D32E9}" type="datetimeFigureOut">
               <a:rPr lang="ko-KR" altLang="en-US" smtClean="0"/>
-              <a:t>2022-07-19</a:t>
+              <a:t>2022-10-30</a:t>
             </a:fld>
             <a:endParaRPr lang="ko-KR" altLang="en-US"/>
           </a:p>
@@ -3489,7 +3491,7 @@
         <p:spPr>
           <a:xfrm>
             <a:off x="3591860" y="2744858"/>
-            <a:ext cx="5008274" cy="400110"/>
+            <a:ext cx="5008274" cy="707886"/>
           </a:xfrm>
           <a:prstGeom prst="rect">
             <a:avLst/>
@@ -3518,6 +3520,30 @@
                 </a:solidFill>
               </a:rPr>
               <a:t>오승훈</a:t>
+            </a:r>
+            <a:endParaRPr lang="en-US" altLang="ko-KR" sz="2000" dirty="0" smtClean="0">
+              <a:solidFill>
+                <a:srgbClr val="00B0F0"/>
+              </a:solidFill>
+            </a:endParaRPr>
+          </a:p>
+          <a:p>
+            <a:pPr algn="ctr"/>
+            <a:r>
+              <a:rPr lang="en-US" altLang="ko-KR" sz="2000" dirty="0" smtClean="0">
+                <a:solidFill>
+                  <a:srgbClr val="00B0F0"/>
+                </a:solidFill>
+              </a:rPr>
+              <a:t>20195116 </a:t>
+            </a:r>
+            <a:r>
+              <a:rPr lang="ko-KR" altLang="en-US" sz="2000" dirty="0" err="1" smtClean="0">
+                <a:solidFill>
+                  <a:srgbClr val="00B0F0"/>
+                </a:solidFill>
+              </a:rPr>
+              <a:t>김규민</a:t>
             </a:r>
             <a:endParaRPr lang="en-US" altLang="ko-KR" sz="2000" dirty="0">
               <a:solidFill>
@@ -4069,7 +4095,7 @@
         <p:spPr>
           <a:xfrm>
             <a:off x="543885" y="1160735"/>
-            <a:ext cx="11215723" cy="4011355"/>
+            <a:ext cx="11215723" cy="4960332"/>
           </a:xfrm>
           <a:prstGeom prst="rect">
             <a:avLst/>
@@ -4378,7 +4404,7 @@
             </a:endParaRPr>
           </a:p>
           <a:p>
-            <a:pPr marL="342900" lvl="0" indent="-342900" latinLnBrk="0">
+            <a:pPr lvl="0" latinLnBrk="0">
               <a:spcBef>
                 <a:spcPts val="220"/>
               </a:spcBef>
@@ -4386,11 +4412,19 @@
                 <a:srgbClr val="000000"/>
               </a:buClr>
               <a:buSzPts val="1100"/>
-              <a:buFont typeface="Arial" panose="020B0604020202020204" pitchFamily="34" charset="0"/>
-              <a:buChar char="-"/>
             </a:pPr>
             <a:r>
-              <a:rPr lang="ko-KR" altLang="ko-KR" kern="0" dirty="0" err="1">
+              <a:rPr lang="en-US" altLang="ko-KR" kern="0" dirty="0" smtClean="0">
+                <a:solidFill>
+                  <a:srgbClr val="00B0F0"/>
+                </a:solidFill>
+                <a:latin typeface="맑은 고딕" panose="020B0503020000020004" pitchFamily="50" charset="-127"/>
+                <a:cs typeface="바탕" panose="02030600000101010101" pitchFamily="18" charset="-127"/>
+              </a:rPr>
+              <a:t>  -   </a:t>
+            </a:r>
+            <a:r>
+              <a:rPr lang="ko-KR" altLang="ko-KR" kern="0" dirty="0" err="1" smtClean="0">
                 <a:solidFill>
                   <a:srgbClr val="00B0F0"/>
                 </a:solidFill>
@@ -4400,14 +4434,24 @@
               <a:t>파이썬을</a:t>
             </a:r>
             <a:r>
-              <a:rPr lang="ko-KR" altLang="ko-KR" kern="0" dirty="0">
+              <a:rPr lang="ko-KR" altLang="ko-KR" kern="0" dirty="0" smtClean="0">
                 <a:solidFill>
                   <a:srgbClr val="00B0F0"/>
                 </a:solidFill>
                 <a:latin typeface="Calibri" panose="020F0502020204030204" pitchFamily="34" charset="0"/>
                 <a:cs typeface="바탕" panose="02030600000101010101" pitchFamily="18" charset="-127"/>
               </a:rPr>
-              <a:t> 이용한 </a:t>
+              <a:t> </a:t>
+            </a:r>
+            <a:r>
+              <a:rPr lang="ko-KR" altLang="ko-KR" kern="0" dirty="0">
+                <a:solidFill>
+                  <a:srgbClr val="00B0F0"/>
+                </a:solidFill>
+                <a:latin typeface="Calibri" panose="020F0502020204030204" pitchFamily="34" charset="0"/>
+                <a:cs typeface="바탕" panose="02030600000101010101" pitchFamily="18" charset="-127"/>
+              </a:rPr>
+              <a:t>이용한 </a:t>
             </a:r>
             <a:r>
               <a:rPr lang="ko-KR" altLang="en-US" kern="0" dirty="0" smtClean="0">
@@ -4526,7 +4570,17 @@
                 <a:latin typeface="Calibri" panose="020F0502020204030204" pitchFamily="34" charset="0"/>
                 <a:cs typeface="맑은 고딕" panose="020B0503020000020004" pitchFamily="50" charset="-127"/>
               </a:rPr>
-              <a:t>진행 상황</a:t>
+              <a:t>진행 </a:t>
+            </a:r>
+            <a:r>
+              <a:rPr lang="ko-KR" altLang="ko-KR" kern="0" dirty="0" smtClean="0">
+                <a:solidFill>
+                  <a:srgbClr val="00B0F0"/>
+                </a:solidFill>
+                <a:latin typeface="Calibri" panose="020F0502020204030204" pitchFamily="34" charset="0"/>
+                <a:cs typeface="맑은 고딕" panose="020B0503020000020004" pitchFamily="50" charset="-127"/>
+              </a:rPr>
+              <a:t>상황</a:t>
             </a:r>
             <a:endParaRPr lang="ko-KR" altLang="ko-KR" sz="1200" kern="100" dirty="0">
               <a:solidFill>
@@ -4537,22 +4591,224 @@
             </a:endParaRPr>
           </a:p>
           <a:p>
+            <a:pPr lvl="0" algn="just">
+              <a:buClr>
+                <a:srgbClr val="000000"/>
+              </a:buClr>
+              <a:buSzPts val="1100"/>
+            </a:pPr>
+            <a:r>
+              <a:rPr lang="en-US" altLang="ko-KR" kern="0" dirty="0" smtClean="0">
+                <a:solidFill>
+                  <a:srgbClr val="00B0F0"/>
+                </a:solidFill>
+                <a:latin typeface="맑은 고딕" panose="020B0503020000020004" pitchFamily="50" charset="-127"/>
+                <a:cs typeface="바탕" panose="02030600000101010101" pitchFamily="18" charset="-127"/>
+              </a:rPr>
+              <a:t>  -   </a:t>
+            </a:r>
+            <a:r>
+              <a:rPr lang="en-US" altLang="ko-KR" kern="100" dirty="0" smtClean="0">
+                <a:solidFill>
+                  <a:srgbClr val="00B0F0"/>
+                </a:solidFill>
+                <a:latin typeface="맑은 고딕" panose="020B0503020000020004" pitchFamily="50" charset="-127"/>
+                <a:ea typeface="Times New Roman" panose="02020603050405020304" pitchFamily="18" charset="0"/>
+                <a:cs typeface="Times New Roman" panose="02020603050405020304" pitchFamily="18" charset="0"/>
+              </a:rPr>
+              <a:t>Tic </a:t>
+            </a:r>
+            <a:r>
+              <a:rPr lang="en-US" altLang="ko-KR" kern="100" dirty="0" smtClean="0">
+                <a:solidFill>
+                  <a:srgbClr val="00B0F0"/>
+                </a:solidFill>
+                <a:latin typeface="맑은 고딕" panose="020B0503020000020004" pitchFamily="50" charset="-127"/>
+                <a:ea typeface="Times New Roman" panose="02020603050405020304" pitchFamily="18" charset="0"/>
+                <a:cs typeface="Times New Roman" panose="02020603050405020304" pitchFamily="18" charset="0"/>
+              </a:rPr>
+              <a:t>Tac Toe </a:t>
+            </a:r>
+            <a:r>
+              <a:rPr lang="ko-KR" altLang="en-US" kern="100" dirty="0" smtClean="0">
+                <a:solidFill>
+                  <a:srgbClr val="00B0F0"/>
+                </a:solidFill>
+                <a:latin typeface="Calibri" panose="020F0502020204030204" pitchFamily="34" charset="0"/>
+                <a:cs typeface="Times New Roman" panose="02020603050405020304" pitchFamily="18" charset="0"/>
+              </a:rPr>
+              <a:t>게임 구현 </a:t>
+            </a:r>
+            <a:r>
+              <a:rPr lang="ko-KR" altLang="ko-KR" kern="100" dirty="0" smtClean="0">
+                <a:solidFill>
+                  <a:srgbClr val="00B0F0"/>
+                </a:solidFill>
+                <a:latin typeface="Calibri" panose="020F0502020204030204" pitchFamily="34" charset="0"/>
+                <a:cs typeface="Times New Roman" panose="02020603050405020304" pitchFamily="18" charset="0"/>
+              </a:rPr>
+              <a:t>완료</a:t>
+            </a:r>
+            <a:r>
+              <a:rPr lang="en-US" altLang="ko-KR" kern="100" dirty="0">
+                <a:solidFill>
+                  <a:srgbClr val="00B0F0"/>
+                </a:solidFill>
+                <a:latin typeface="Calibri" panose="020F0502020204030204" pitchFamily="34" charset="0"/>
+                <a:cs typeface="Times New Roman" panose="02020603050405020304" pitchFamily="18" charset="0"/>
+              </a:rPr>
+              <a:t>.</a:t>
+            </a:r>
+            <a:endParaRPr lang="ko-KR" altLang="ko-KR" sz="1200" kern="100" dirty="0">
+              <a:solidFill>
+                <a:srgbClr val="00B0F0"/>
+              </a:solidFill>
+              <a:latin typeface="Calibri" panose="020F0502020204030204" pitchFamily="34" charset="0"/>
+              <a:ea typeface="Times New Roman" panose="02020603050405020304" pitchFamily="18" charset="0"/>
+              <a:cs typeface="Times New Roman" panose="02020603050405020304" pitchFamily="18" charset="0"/>
+            </a:endParaRPr>
+          </a:p>
+          <a:p>
+            <a:pPr lvl="0" algn="just">
+              <a:buClr>
+                <a:srgbClr val="000000"/>
+              </a:buClr>
+              <a:buSzPts val="1100"/>
+            </a:pPr>
+            <a:r>
+              <a:rPr lang="en-US" altLang="ko-KR" kern="0" dirty="0" smtClean="0">
+                <a:solidFill>
+                  <a:srgbClr val="00B0F0"/>
+                </a:solidFill>
+                <a:latin typeface="맑은 고딕" panose="020B0503020000020004" pitchFamily="50" charset="-127"/>
+                <a:cs typeface="바탕" panose="02030600000101010101" pitchFamily="18" charset="-127"/>
+              </a:rPr>
+              <a:t>  -   </a:t>
+            </a:r>
+            <a:r>
+              <a:rPr lang="ko-KR" altLang="en-US" kern="100" dirty="0" smtClean="0">
+                <a:solidFill>
+                  <a:srgbClr val="00B0F0"/>
+                </a:solidFill>
+                <a:latin typeface="Calibri" panose="020F0502020204030204" pitchFamily="34" charset="0"/>
+                <a:cs typeface="Times New Roman" panose="02020603050405020304" pitchFamily="18" charset="0"/>
+              </a:rPr>
+              <a:t>강화 </a:t>
+            </a:r>
+            <a:r>
+              <a:rPr lang="ko-KR" altLang="en-US" kern="100" dirty="0" smtClean="0">
+                <a:solidFill>
+                  <a:srgbClr val="00B0F0"/>
+                </a:solidFill>
+                <a:latin typeface="Calibri" panose="020F0502020204030204" pitchFamily="34" charset="0"/>
+                <a:cs typeface="Times New Roman" panose="02020603050405020304" pitchFamily="18" charset="0"/>
+              </a:rPr>
+              <a:t>학습 연구 </a:t>
+            </a:r>
+            <a:r>
+              <a:rPr lang="ko-KR" altLang="ko-KR" kern="100" dirty="0" smtClean="0">
+                <a:solidFill>
+                  <a:srgbClr val="00B0F0"/>
+                </a:solidFill>
+                <a:latin typeface="Calibri" panose="020F0502020204030204" pitchFamily="34" charset="0"/>
+                <a:cs typeface="Times New Roman" panose="02020603050405020304" pitchFamily="18" charset="0"/>
+              </a:rPr>
+              <a:t>중</a:t>
+            </a:r>
+            <a:endParaRPr lang="en-US" altLang="ko-KR" kern="100" dirty="0" smtClean="0">
+              <a:solidFill>
+                <a:srgbClr val="00B0F0"/>
+              </a:solidFill>
+              <a:latin typeface="Calibri" panose="020F0502020204030204" pitchFamily="34" charset="0"/>
+              <a:cs typeface="Times New Roman" panose="02020603050405020304" pitchFamily="18" charset="0"/>
+            </a:endParaRPr>
+          </a:p>
+          <a:p>
+            <a:pPr lvl="0" algn="just">
+              <a:buClr>
+                <a:srgbClr val="000000"/>
+              </a:buClr>
+              <a:buSzPts val="1100"/>
+            </a:pPr>
+            <a:endParaRPr lang="en-US" altLang="ko-KR" kern="100" dirty="0">
+              <a:solidFill>
+                <a:srgbClr val="00B0F0"/>
+              </a:solidFill>
+              <a:latin typeface="Calibri" panose="020F0502020204030204" pitchFamily="34" charset="0"/>
+              <a:cs typeface="Times New Roman" panose="02020603050405020304" pitchFamily="18" charset="0"/>
+            </a:endParaRPr>
+          </a:p>
+          <a:p>
             <a:pPr marL="190500" marR="186055" indent="12700" latinLnBrk="0">
               <a:spcBef>
                 <a:spcPts val="220"/>
               </a:spcBef>
             </a:pPr>
             <a:r>
-              <a:rPr lang="en-US" altLang="ko-KR" kern="0" dirty="0">
+              <a:rPr lang="ko-KR" altLang="en-US" kern="0" dirty="0" smtClean="0">
+                <a:solidFill>
+                  <a:srgbClr val="00B0F0"/>
+                </a:solidFill>
+                <a:latin typeface="Calibri" panose="020F0502020204030204" pitchFamily="34" charset="0"/>
+                <a:cs typeface="맑은 고딕" panose="020B0503020000020004" pitchFamily="50" charset="-127"/>
+              </a:rPr>
+              <a:t>현재까지 진행된 내용</a:t>
+            </a:r>
+            <a:endParaRPr lang="en-US" altLang="ko-KR" kern="0" dirty="0" smtClean="0">
+              <a:solidFill>
+                <a:srgbClr val="00B0F0"/>
+              </a:solidFill>
+              <a:latin typeface="Calibri" panose="020F0502020204030204" pitchFamily="34" charset="0"/>
+              <a:cs typeface="맑은 고딕" panose="020B0503020000020004" pitchFamily="50" charset="-127"/>
+            </a:endParaRPr>
+          </a:p>
+          <a:p>
+            <a:pPr marL="190500" marR="186055" indent="12700" latinLnBrk="0">
+              <a:spcBef>
+                <a:spcPts val="220"/>
+              </a:spcBef>
+            </a:pPr>
+            <a:r>
+              <a:rPr lang="en-US" altLang="ko-KR" kern="0" dirty="0" smtClean="0">
                 <a:solidFill>
                   <a:srgbClr val="00B0F0"/>
                 </a:solidFill>
                 <a:latin typeface="맑은 고딕" panose="020B0503020000020004" pitchFamily="50" charset="-127"/>
+                <a:cs typeface="바탕" panose="02030600000101010101" pitchFamily="18" charset="-127"/>
+              </a:rPr>
+              <a:t>-   </a:t>
+            </a:r>
+            <a:r>
+              <a:rPr lang="en-US" altLang="ko-KR" kern="0" dirty="0" err="1" smtClean="0">
+                <a:solidFill>
+                  <a:srgbClr val="00B0F0"/>
+                </a:solidFill>
+                <a:latin typeface="Calibri" panose="020F0502020204030204" pitchFamily="34" charset="0"/>
                 <a:cs typeface="Times New Roman" panose="02020603050405020304" pitchFamily="18" charset="0"/>
               </a:rPr>
-              <a:t> </a:t>
-            </a:r>
-            <a:endParaRPr lang="ko-KR" altLang="ko-KR" sz="1200" kern="100" dirty="0">
+              <a:t>Pygame</a:t>
+            </a:r>
+            <a:r>
+              <a:rPr lang="en-US" altLang="ko-KR" kern="0" dirty="0" smtClean="0">
+                <a:solidFill>
+                  <a:srgbClr val="00B0F0"/>
+                </a:solidFill>
+                <a:latin typeface="Calibri" panose="020F0502020204030204" pitchFamily="34" charset="0"/>
+                <a:cs typeface="Times New Roman" panose="02020603050405020304" pitchFamily="18" charset="0"/>
+              </a:rPr>
+              <a:t> window</a:t>
+            </a:r>
+            <a:r>
+              <a:rPr lang="ko-KR" altLang="en-US" kern="0" dirty="0" smtClean="0">
+                <a:solidFill>
+                  <a:srgbClr val="00B0F0"/>
+                </a:solidFill>
+                <a:latin typeface="Calibri" panose="020F0502020204030204" pitchFamily="34" charset="0"/>
+                <a:cs typeface="Times New Roman" panose="02020603050405020304" pitchFamily="18" charset="0"/>
+              </a:rPr>
+              <a:t>를 통해서 게임처럼 볼 수 있게 구현</a:t>
+            </a:r>
+            <a:endParaRPr lang="en-US" altLang="ko-KR" kern="100" dirty="0" smtClean="0">
               <a:solidFill>
                 <a:srgbClr val="00B0F0"/>
               </a:solidFill>
@@ -4569,110 +4825,27 @@
               <a:buFont typeface="Arial" panose="020B0604020202020204" pitchFamily="34" charset="0"/>
               <a:buChar char="-"/>
             </a:pPr>
-            <a:r>
-              <a:rPr lang="en-US" altLang="ko-KR" kern="100" dirty="0" smtClean="0">
-                <a:solidFill>
-                  <a:srgbClr val="00B0F0"/>
-                </a:solidFill>
-                <a:latin typeface="맑은 고딕" panose="020B0503020000020004" pitchFamily="50" charset="-127"/>
-                <a:ea typeface="Times New Roman" panose="02020603050405020304" pitchFamily="18" charset="0"/>
-                <a:cs typeface="Times New Roman" panose="02020603050405020304" pitchFamily="18" charset="0"/>
-              </a:rPr>
-              <a:t>Tic Tac Toe </a:t>
-            </a:r>
-            <a:r>
-              <a:rPr lang="ko-KR" altLang="en-US" kern="100" dirty="0" smtClean="0">
-                <a:solidFill>
-                  <a:srgbClr val="00B0F0"/>
-                </a:solidFill>
-                <a:latin typeface="Calibri" panose="020F0502020204030204" pitchFamily="34" charset="0"/>
-                <a:cs typeface="Times New Roman" panose="02020603050405020304" pitchFamily="18" charset="0"/>
-              </a:rPr>
-              <a:t>게임 구현 </a:t>
-            </a:r>
-            <a:r>
-              <a:rPr lang="ko-KR" altLang="ko-KR" kern="100" dirty="0" smtClean="0">
-                <a:solidFill>
-                  <a:srgbClr val="00B0F0"/>
-                </a:solidFill>
-                <a:latin typeface="Calibri" panose="020F0502020204030204" pitchFamily="34" charset="0"/>
-                <a:cs typeface="Times New Roman" panose="02020603050405020304" pitchFamily="18" charset="0"/>
-              </a:rPr>
-              <a:t>완료</a:t>
-            </a:r>
-            <a:r>
-              <a:rPr lang="en-US" altLang="ko-KR" kern="100" dirty="0">
-                <a:solidFill>
-                  <a:srgbClr val="00B0F0"/>
-                </a:solidFill>
-                <a:latin typeface="Calibri" panose="020F0502020204030204" pitchFamily="34" charset="0"/>
-                <a:cs typeface="Times New Roman" panose="02020603050405020304" pitchFamily="18" charset="0"/>
-              </a:rPr>
-              <a:t>.</a:t>
-            </a:r>
-            <a:endParaRPr lang="ko-KR" altLang="ko-KR" sz="1200" kern="100" dirty="0">
+            <a:endParaRPr lang="en-US" altLang="ko-KR" sz="1200" kern="100" dirty="0">
               <a:solidFill>
                 <a:srgbClr val="00B0F0"/>
               </a:solidFill>
+              <a:effectLst/>
               <a:latin typeface="Calibri" panose="020F0502020204030204" pitchFamily="34" charset="0"/>
               <a:ea typeface="Times New Roman" panose="02020603050405020304" pitchFamily="18" charset="0"/>
               <a:cs typeface="Times New Roman" panose="02020603050405020304" pitchFamily="18" charset="0"/>
             </a:endParaRPr>
           </a:p>
           <a:p>
-            <a:pPr marL="342900" lvl="0" indent="-342900" algn="just">
+            <a:pPr lvl="0" algn="just">
               <a:buClr>
                 <a:srgbClr val="000000"/>
               </a:buClr>
               <a:buSzPts val="1100"/>
-              <a:buFont typeface="Arial" panose="020B0604020202020204" pitchFamily="34" charset="0"/>
-              <a:buChar char="-"/>
             </a:pPr>
-            <a:r>
-              <a:rPr lang="ko-KR" altLang="en-US" kern="100" dirty="0" smtClean="0">
-                <a:solidFill>
-                  <a:srgbClr val="00B0F0"/>
-                </a:solidFill>
-                <a:latin typeface="Calibri" panose="020F0502020204030204" pitchFamily="34" charset="0"/>
-                <a:cs typeface="Times New Roman" panose="02020603050405020304" pitchFamily="18" charset="0"/>
-              </a:rPr>
-              <a:t>강화 </a:t>
-            </a:r>
-            <a:r>
-              <a:rPr lang="ko-KR" altLang="en-US" kern="100" smtClean="0">
-                <a:solidFill>
-                  <a:srgbClr val="00B0F0"/>
-                </a:solidFill>
-                <a:latin typeface="Calibri" panose="020F0502020204030204" pitchFamily="34" charset="0"/>
-                <a:cs typeface="Times New Roman" panose="02020603050405020304" pitchFamily="18" charset="0"/>
-              </a:rPr>
-              <a:t>학습 </a:t>
-            </a:r>
-            <a:r>
-              <a:rPr lang="ko-KR" altLang="en-US" kern="100" smtClean="0">
-                <a:solidFill>
-                  <a:srgbClr val="00B0F0"/>
-                </a:solidFill>
-                <a:latin typeface="Calibri" panose="020F0502020204030204" pitchFamily="34" charset="0"/>
-                <a:cs typeface="Times New Roman" panose="02020603050405020304" pitchFamily="18" charset="0"/>
-              </a:rPr>
-              <a:t>연구 </a:t>
-            </a:r>
-            <a:r>
-              <a:rPr lang="ko-KR" altLang="ko-KR" kern="100" smtClean="0">
-                <a:solidFill>
-                  <a:srgbClr val="00B0F0"/>
-                </a:solidFill>
-                <a:latin typeface="Calibri" panose="020F0502020204030204" pitchFamily="34" charset="0"/>
-                <a:cs typeface="Times New Roman" panose="02020603050405020304" pitchFamily="18" charset="0"/>
-              </a:rPr>
-              <a:t>중</a:t>
-            </a:r>
-            <a:endParaRPr lang="ko-KR" altLang="ko-KR" sz="1200" kern="100" dirty="0">
+            <a:endParaRPr lang="en-US" altLang="ko-KR" sz="1200" kern="100" dirty="0" smtClean="0">
               <a:solidFill>
                 <a:srgbClr val="00B0F0"/>
               </a:solidFill>
-              <a:effectLst/>
               <a:latin typeface="Calibri" panose="020F0502020204030204" pitchFamily="34" charset="0"/>
               <a:ea typeface="Times New Roman" panose="02020603050405020304" pitchFamily="18" charset="0"/>
               <a:cs typeface="Times New Roman" panose="02020603050405020304" pitchFamily="18" charset="0"/>
@@ -4780,29 +4953,26 @@
           <a:lstStyle/>
           <a:p>
             <a:r>
+              <a:rPr lang="en-US" altLang="ko-KR" sz="4500" dirty="0">
+                <a:solidFill>
+                  <a:srgbClr val="00B0F0"/>
+                </a:solidFill>
+              </a:rPr>
+              <a:t>Tic </a:t>
+            </a:r>
+            <a:r>
               <a:rPr lang="en-US" altLang="ko-KR" sz="4500" dirty="0" smtClean="0">
                 <a:solidFill>
                   <a:srgbClr val="00B0F0"/>
                 </a:solidFill>
               </a:rPr>
-              <a:t>Tic Tac Toe </a:t>
-            </a:r>
-            <a:r>
-              <a:rPr lang="ko-KR" altLang="en-US" sz="4500" dirty="0" smtClean="0">
-                <a:solidFill>
-                  <a:srgbClr val="00B0F0"/>
-                </a:solidFill>
-              </a:rPr>
-              <a:t>진행 </a:t>
-            </a:r>
-            <a:r>
-              <a:rPr lang="ko-KR" altLang="en-US" sz="4500" dirty="0">
-                <a:solidFill>
-                  <a:srgbClr val="00B0F0"/>
-                </a:solidFill>
-              </a:rPr>
-              <a:t>상황</a:t>
-            </a:r>
+              <a:t>Tac Toe</a:t>
+            </a:r>
+            <a:endParaRPr lang="ko-KR" altLang="en-US" sz="4500" dirty="0">
+              <a:solidFill>
+                <a:srgbClr val="00B0F0"/>
+              </a:solidFill>
+            </a:endParaRPr>
           </a:p>
         </p:txBody>
       </p:sp>
@@ -4853,82 +5023,249 @@
           </a:extLst>
         </p:spPr>
       </p:pic>
-      <p:pic>
-        <p:nvPicPr>
-          <p:cNvPr id="3" name="그림 2"/>
-          <p:cNvPicPr>
-            <a:picLocks noChangeAspect="1"/>
-          </p:cNvPicPr>
+      <p:sp>
+        <p:nvSpPr>
+          <p:cNvPr id="2" name="직사각형 1">
+            <a:extLst>
+              <a:ext uri="{FF2B5EF4-FFF2-40B4-BE49-F238E27FC236}">
+                <a16:creationId xmlns:a16="http://schemas.microsoft.com/office/drawing/2014/main" id="{D54A201C-80D2-412B-9ACC-109129D0DB1B}"/>
+              </a:ext>
+            </a:extLst>
+          </p:cNvPr>
+          <p:cNvSpPr/>
           <p:nvPr/>
-        </p:nvPicPr>
-        <p:blipFill>
-          <a:blip r:embed="rId3"/>
-          <a:stretch>
-            <a:fillRect/>
-          </a:stretch>
-        </p:blipFill>
+        </p:nvSpPr>
         <p:spPr>
           <a:xfrm>
-            <a:off x="610999" y="1225278"/>
-            <a:ext cx="4451452" cy="5437488"/>
+            <a:off x="543885" y="1160735"/>
+            <a:ext cx="11215723" cy="1892826"/>
           </a:xfrm>
           <a:prstGeom prst="rect">
             <a:avLst/>
           </a:prstGeom>
         </p:spPr>
-      </p:pic>
-      <p:pic>
-        <p:nvPicPr>
-          <p:cNvPr id="4" name="그림 3"/>
-          <p:cNvPicPr>
-            <a:picLocks noChangeAspect="1"/>
-          </p:cNvPicPr>
-          <p:nvPr/>
-        </p:nvPicPr>
-        <p:blipFill>
-          <a:blip r:embed="rId4"/>
-          <a:stretch>
-            <a:fillRect/>
-          </a:stretch>
-        </p:blipFill>
-        <p:spPr>
-          <a:xfrm>
-            <a:off x="5193290" y="1225278"/>
-            <a:ext cx="2670550" cy="1726883"/>
-          </a:xfrm>
-          <a:prstGeom prst="rect">
-            <a:avLst/>
-          </a:prstGeom>
-        </p:spPr>
-      </p:pic>
-      <p:pic>
-        <p:nvPicPr>
-          <p:cNvPr id="8" name="그림 7"/>
-          <p:cNvPicPr>
-            <a:picLocks noChangeAspect="1"/>
-          </p:cNvPicPr>
-          <p:nvPr/>
-        </p:nvPicPr>
-        <p:blipFill>
-          <a:blip r:embed="rId5"/>
-          <a:stretch>
-            <a:fillRect/>
-          </a:stretch>
-        </p:blipFill>
-        <p:spPr>
-          <a:xfrm>
-            <a:off x="8092327" y="1225278"/>
-            <a:ext cx="3739760" cy="5358402"/>
-          </a:xfrm>
-          <a:prstGeom prst="rect">
-            <a:avLst/>
-          </a:prstGeom>
-        </p:spPr>
-      </p:pic>
+        <p:txBody>
+          <a:bodyPr wrap="square">
+            <a:spAutoFit/>
+          </a:bodyPr>
+          <a:lstStyle/>
+          <a:p>
+            <a:pPr marL="195580" latinLnBrk="0">
+              <a:spcBef>
+                <a:spcPts val="440"/>
+              </a:spcBef>
+            </a:pPr>
+            <a:r>
+              <a:rPr lang="ko-KR" altLang="en-US" kern="0" dirty="0" smtClean="0">
+                <a:solidFill>
+                  <a:srgbClr val="00B0F0"/>
+                </a:solidFill>
+                <a:latin typeface="Calibri" panose="020F0502020204030204" pitchFamily="34" charset="0"/>
+                <a:cs typeface="맑은 고딕" panose="020B0503020000020004" pitchFamily="50" charset="-127"/>
+              </a:rPr>
+              <a:t>앞으로의 계획</a:t>
+            </a:r>
+            <a:r>
+              <a:rPr lang="en-US" altLang="ko-KR" kern="0" dirty="0">
+                <a:solidFill>
+                  <a:srgbClr val="00B0F0"/>
+                </a:solidFill>
+                <a:latin typeface="맑은 고딕" panose="020B0503020000020004" pitchFamily="50" charset="-127"/>
+                <a:cs typeface="Arial" panose="020B0604020202020204" pitchFamily="34" charset="0"/>
+              </a:rPr>
+              <a:t> </a:t>
+            </a:r>
+            <a:endParaRPr lang="ko-KR" altLang="ko-KR" sz="1200" kern="100" dirty="0">
+              <a:solidFill>
+                <a:srgbClr val="00B0F0"/>
+              </a:solidFill>
+              <a:latin typeface="Calibri" panose="020F0502020204030204" pitchFamily="34" charset="0"/>
+              <a:cs typeface="Times New Roman" panose="02020603050405020304" pitchFamily="18" charset="0"/>
+            </a:endParaRPr>
+          </a:p>
+          <a:p>
+            <a:pPr marL="205105" latinLnBrk="0">
+              <a:spcBef>
+                <a:spcPts val="575"/>
+              </a:spcBef>
+              <a:tabLst>
+                <a:tab pos="1663700" algn="l"/>
+              </a:tabLst>
+            </a:pPr>
+            <a:r>
+              <a:rPr lang="en-US" altLang="ko-KR" kern="0" dirty="0" smtClean="0">
+                <a:solidFill>
+                  <a:srgbClr val="00B0F0"/>
+                </a:solidFill>
+                <a:latin typeface="맑은 고딕" panose="020B0503020000020004" pitchFamily="50" charset="-127"/>
+                <a:cs typeface="Arial" panose="020B0604020202020204" pitchFamily="34" charset="0"/>
+              </a:rPr>
+              <a:t>-  </a:t>
+            </a:r>
+            <a:r>
+              <a:rPr lang="ko-KR" altLang="en-US" kern="0" dirty="0" smtClean="0">
+                <a:solidFill>
+                  <a:srgbClr val="00B0F0"/>
+                </a:solidFill>
+                <a:latin typeface="맑은 고딕" panose="020B0503020000020004" pitchFamily="50" charset="-127"/>
+                <a:cs typeface="Arial" panose="020B0604020202020204" pitchFamily="34" charset="0"/>
+              </a:rPr>
+              <a:t>강화 </a:t>
+            </a:r>
+            <a:r>
+              <a:rPr lang="ko-KR" altLang="en-US" kern="0" dirty="0" smtClean="0">
+                <a:solidFill>
+                  <a:srgbClr val="00B0F0"/>
+                </a:solidFill>
+                <a:latin typeface="맑은 고딕" panose="020B0503020000020004" pitchFamily="50" charset="-127"/>
+                <a:cs typeface="Arial" panose="020B0604020202020204" pitchFamily="34" charset="0"/>
+              </a:rPr>
+              <a:t>학습 공부 후 적용 해 보기</a:t>
+            </a:r>
+            <a:r>
+              <a:rPr lang="en-US" altLang="ko-KR" kern="0" dirty="0" smtClean="0">
+                <a:solidFill>
+                  <a:srgbClr val="00B0F0"/>
+                </a:solidFill>
+                <a:latin typeface="맑은 고딕" panose="020B0503020000020004" pitchFamily="50" charset="-127"/>
+                <a:cs typeface="맑은 고딕" panose="020B0503020000020004" pitchFamily="50" charset="-127"/>
+              </a:rPr>
+              <a:t> </a:t>
+            </a:r>
+            <a:endParaRPr lang="ko-KR" altLang="ko-KR" sz="1200" kern="100" dirty="0" smtClean="0">
+              <a:solidFill>
+                <a:srgbClr val="00B0F0"/>
+              </a:solidFill>
+              <a:latin typeface="Calibri" panose="020F0502020204030204" pitchFamily="34" charset="0"/>
+              <a:cs typeface="Times New Roman" panose="02020603050405020304" pitchFamily="18" charset="0"/>
+            </a:endParaRPr>
+          </a:p>
+          <a:p>
+            <a:pPr marL="195580" latinLnBrk="0">
+              <a:spcBef>
+                <a:spcPts val="440"/>
+              </a:spcBef>
+            </a:pPr>
+            <a:endParaRPr lang="en-US" altLang="ko-KR" kern="0" dirty="0" smtClean="0">
+              <a:solidFill>
+                <a:srgbClr val="00B0F0"/>
+              </a:solidFill>
+              <a:latin typeface="Calibri" panose="020F0502020204030204" pitchFamily="34" charset="0"/>
+              <a:cs typeface="맑은 고딕" panose="020B0503020000020004" pitchFamily="50" charset="-127"/>
+            </a:endParaRPr>
+          </a:p>
+          <a:p>
+            <a:pPr marL="195580" latinLnBrk="0">
+              <a:spcBef>
+                <a:spcPts val="440"/>
+              </a:spcBef>
+            </a:pPr>
+            <a:r>
+              <a:rPr lang="ko-KR" altLang="en-US" kern="0" dirty="0" smtClean="0">
+                <a:solidFill>
+                  <a:srgbClr val="00B0F0"/>
+                </a:solidFill>
+                <a:latin typeface="Calibri" panose="020F0502020204030204" pitchFamily="34" charset="0"/>
+                <a:cs typeface="맑은 고딕" panose="020B0503020000020004" pitchFamily="50" charset="-127"/>
+              </a:rPr>
+              <a:t>어려운 점</a:t>
+            </a:r>
+            <a:endParaRPr lang="en-US" altLang="ko-KR" kern="0" dirty="0" smtClean="0">
+              <a:solidFill>
+                <a:srgbClr val="00B0F0"/>
+              </a:solidFill>
+              <a:latin typeface="Calibri" panose="020F0502020204030204" pitchFamily="34" charset="0"/>
+              <a:cs typeface="맑은 고딕" panose="020B0503020000020004" pitchFamily="50" charset="-127"/>
+            </a:endParaRPr>
+          </a:p>
+          <a:p>
+            <a:pPr marL="195580" latinLnBrk="0">
+              <a:spcBef>
+                <a:spcPts val="440"/>
+              </a:spcBef>
+            </a:pPr>
+            <a:r>
+              <a:rPr lang="en-US" altLang="ko-KR" kern="0" dirty="0" smtClean="0">
+                <a:solidFill>
+                  <a:srgbClr val="00B0F0"/>
+                </a:solidFill>
+                <a:latin typeface="맑은 고딕" panose="020B0503020000020004" pitchFamily="50" charset="-127"/>
+                <a:cs typeface="Arial" panose="020B0604020202020204" pitchFamily="34" charset="0"/>
+              </a:rPr>
+              <a:t>-</a:t>
+            </a:r>
+            <a:r>
+              <a:rPr lang="en-US" altLang="ko-KR" kern="0" dirty="0">
+                <a:solidFill>
+                  <a:srgbClr val="00B0F0"/>
+                </a:solidFill>
+                <a:latin typeface="맑은 고딕" panose="020B0503020000020004" pitchFamily="50" charset="-127"/>
+                <a:cs typeface="Arial" panose="020B0604020202020204" pitchFamily="34" charset="0"/>
+              </a:rPr>
+              <a:t>  </a:t>
+            </a:r>
+            <a:r>
+              <a:rPr lang="ko-KR" altLang="en-US" kern="0" dirty="0" smtClean="0">
+                <a:solidFill>
+                  <a:srgbClr val="00B0F0"/>
+                </a:solidFill>
+                <a:latin typeface="맑은 고딕" panose="020B0503020000020004" pitchFamily="50" charset="-127"/>
+                <a:cs typeface="Arial" panose="020B0604020202020204" pitchFamily="34" charset="0"/>
+              </a:rPr>
+              <a:t>강화 학습을 지금 수준에 연구하기가 굉장히 어려움</a:t>
+            </a:r>
+            <a:r>
+              <a:rPr lang="en-US" altLang="ko-KR" kern="0" dirty="0" smtClean="0">
+                <a:solidFill>
+                  <a:srgbClr val="00B0F0"/>
+                </a:solidFill>
+                <a:latin typeface="맑은 고딕" panose="020B0503020000020004" pitchFamily="50" charset="-127"/>
+                <a:cs typeface="Arial" panose="020B0604020202020204" pitchFamily="34" charset="0"/>
+              </a:rPr>
+              <a:t>, </a:t>
+            </a:r>
+            <a:r>
+              <a:rPr lang="ko-KR" altLang="en-US" kern="0" dirty="0" smtClean="0">
+                <a:solidFill>
+                  <a:srgbClr val="00B0F0"/>
+                </a:solidFill>
+                <a:latin typeface="맑은 고딕" panose="020B0503020000020004" pitchFamily="50" charset="-127"/>
+                <a:cs typeface="Arial" panose="020B0604020202020204" pitchFamily="34" charset="0"/>
+              </a:rPr>
+              <a:t>구현 성공에 대한 불확실성이 있음</a:t>
+            </a:r>
+            <a:endParaRPr lang="en-US" altLang="ko-KR" sz="1200" kern="100" dirty="0" smtClean="0">
+              <a:solidFill>
+                <a:srgbClr val="00B0F0"/>
+              </a:solidFill>
+              <a:effectLst/>
+              <a:latin typeface="Calibri" panose="020F0502020204030204" pitchFamily="34" charset="0"/>
+              <a:ea typeface="Times New Roman" panose="02020603050405020304" pitchFamily="18" charset="0"/>
+              <a:cs typeface="Times New Roman" panose="02020603050405020304" pitchFamily="18" charset="0"/>
+            </a:endParaRPr>
+          </a:p>
+          <a:p>
+            <a:pPr lvl="0" algn="just">
+              <a:buClr>
+                <a:srgbClr val="000000"/>
+              </a:buClr>
+              <a:buSzPts val="1100"/>
+            </a:pPr>
+            <a:endParaRPr lang="en-US" altLang="ko-KR" sz="1200" kern="100" dirty="0" smtClean="0">
+              <a:solidFill>
+                <a:srgbClr val="00B0F0"/>
+              </a:solidFill>
+              <a:latin typeface="Calibri" panose="020F0502020204030204" pitchFamily="34" charset="0"/>
+              <a:ea typeface="Times New Roman" panose="02020603050405020304" pitchFamily="18" charset="0"/>
+              <a:cs typeface="Times New Roman" panose="02020603050405020304" pitchFamily="18" charset="0"/>
+            </a:endParaRPr>
+          </a:p>
+        </p:txBody>
+      </p:sp>
     </p:spTree>
     <p:extLst>
       <p:ext uri="{BB962C8B-B14F-4D97-AF65-F5344CB8AC3E}">
-        <p14:creationId xmlns:p14="http://schemas.microsoft.com/office/powerpoint/2010/main" val="1633972874"/>
+        <p14:creationId xmlns:p14="http://schemas.microsoft.com/office/powerpoint/2010/main" val="1967321151"/>
       </p:ext>
     </p:extLst>
   </p:cSld>
@@ -5114,8 +5451,8 @@
         </p:blipFill>
         <p:spPr>
           <a:xfrm>
-            <a:off x="543886" y="1228268"/>
-            <a:ext cx="4291161" cy="5153025"/>
+            <a:off x="610998" y="1154883"/>
+            <a:ext cx="4285197" cy="5603363"/>
           </a:xfrm>
           <a:prstGeom prst="rect">
             <a:avLst/>
@@ -5138,8 +5475,450 @@
         </p:blipFill>
         <p:spPr>
           <a:xfrm>
-            <a:off x="5606642" y="1256843"/>
-            <a:ext cx="3837983" cy="5124450"/>
+            <a:off x="6123241" y="1154883"/>
+            <a:ext cx="3780988" cy="5351639"/>
+          </a:xfrm>
+          <a:prstGeom prst="rect">
+            <a:avLst/>
+          </a:prstGeom>
+        </p:spPr>
+      </p:pic>
+    </p:spTree>
+    <p:extLst>
+      <p:ext uri="{BB962C8B-B14F-4D97-AF65-F5344CB8AC3E}">
+        <p14:creationId xmlns:p14="http://schemas.microsoft.com/office/powerpoint/2010/main" val="1633972874"/>
+      </p:ext>
+    </p:extLst>
+  </p:cSld>
+  <p:clrMapOvr>
+    <a:masterClrMapping/>
+  </p:clrMapOvr>
+</p:sld>
+</file>
+
+<file path=ppt/slides/slide5.xml><?xml version="1.0" encoding="utf-8"?>
+<p:sld xmlns:a="http://schemas.openxmlformats.org/drawingml/2006/main" xmlns:r="http://schemas.openxmlformats.org/officeDocument/2006/relationships" xmlns:p="http://schemas.openxmlformats.org/presentationml/2006/main">
+  <p:cSld>
+    <p:spTree>
+      <p:nvGrpSpPr>
+        <p:cNvPr id="1" name=""/>
+        <p:cNvGrpSpPr/>
+        <p:nvPr/>
+      </p:nvGrpSpPr>
+      <p:grpSpPr>
+        <a:xfrm>
+          <a:off x="0" y="0"/>
+          <a:ext cx="0" cy="0"/>
+          <a:chOff x="0" y="0"/>
+          <a:chExt cx="0" cy="0"/>
+        </a:xfrm>
+      </p:grpSpPr>
+      <p:cxnSp>
+        <p:nvCxnSpPr>
+          <p:cNvPr id="5" name="직선 연결선 4">
+            <a:extLst>
+              <a:ext uri="{FF2B5EF4-FFF2-40B4-BE49-F238E27FC236}">
+                <a16:creationId xmlns:a16="http://schemas.microsoft.com/office/drawing/2014/main" id="{C62FA2ED-E79E-4144-824C-5BA3DAFB5038}"/>
+              </a:ext>
+            </a:extLst>
+          </p:cNvPr>
+          <p:cNvCxnSpPr/>
+          <p:nvPr/>
+        </p:nvCxnSpPr>
+        <p:spPr>
+          <a:xfrm>
+            <a:off x="610999" y="977441"/>
+            <a:ext cx="9991288" cy="0"/>
+          </a:xfrm>
+          <a:prstGeom prst="line">
+            <a:avLst/>
+          </a:prstGeom>
+          <a:ln w="38100">
+            <a:solidFill>
+              <a:srgbClr val="00B0F0"/>
+            </a:solidFill>
+          </a:ln>
+        </p:spPr>
+        <p:style>
+          <a:lnRef idx="1">
+            <a:schemeClr val="accent1"/>
+          </a:lnRef>
+          <a:fillRef idx="0">
+            <a:schemeClr val="accent1"/>
+          </a:fillRef>
+          <a:effectRef idx="0">
+            <a:schemeClr val="accent1"/>
+          </a:effectRef>
+          <a:fontRef idx="minor">
+            <a:schemeClr val="tx1"/>
+          </a:fontRef>
+        </p:style>
+      </p:cxnSp>
+      <p:sp>
+        <p:nvSpPr>
+          <p:cNvPr id="9" name="TextBox 8">
+            <a:extLst>
+              <a:ext uri="{FF2B5EF4-FFF2-40B4-BE49-F238E27FC236}">
+                <a16:creationId xmlns:a16="http://schemas.microsoft.com/office/drawing/2014/main" id="{3CA1144B-556E-46A8-AC20-517F39654735}"/>
+              </a:ext>
+            </a:extLst>
+          </p:cNvPr>
+          <p:cNvSpPr txBox="1"/>
+          <p:nvPr/>
+        </p:nvSpPr>
+        <p:spPr>
+          <a:xfrm>
+            <a:off x="543886" y="198324"/>
+            <a:ext cx="9128620" cy="784830"/>
+          </a:xfrm>
+          <a:prstGeom prst="rect">
+            <a:avLst/>
+          </a:prstGeom>
+          <a:noFill/>
+        </p:spPr>
+        <p:txBody>
+          <a:bodyPr wrap="square" rtlCol="0">
+            <a:spAutoFit/>
+          </a:bodyPr>
+          <a:lstStyle/>
+          <a:p>
+            <a:r>
+              <a:rPr lang="en-US" altLang="ko-KR" sz="4500" dirty="0" smtClean="0">
+                <a:solidFill>
+                  <a:srgbClr val="00B0F0"/>
+                </a:solidFill>
+              </a:rPr>
+              <a:t>Tic Tac Toe </a:t>
+            </a:r>
+            <a:r>
+              <a:rPr lang="ko-KR" altLang="en-US" sz="4500" dirty="0" smtClean="0">
+                <a:solidFill>
+                  <a:srgbClr val="00B0F0"/>
+                </a:solidFill>
+              </a:rPr>
+              <a:t>진행 </a:t>
+            </a:r>
+            <a:r>
+              <a:rPr lang="ko-KR" altLang="en-US" sz="4500" dirty="0">
+                <a:solidFill>
+                  <a:srgbClr val="00B0F0"/>
+                </a:solidFill>
+              </a:rPr>
+              <a:t>상황</a:t>
+            </a:r>
+          </a:p>
+        </p:txBody>
+      </p:sp>
+      <p:pic>
+        <p:nvPicPr>
+          <p:cNvPr id="11" name="Picture 2" descr="한림대학교Hallym University - YouTube">
+            <a:extLst>
+              <a:ext uri="{FF2B5EF4-FFF2-40B4-BE49-F238E27FC236}">
+                <a16:creationId xmlns:a16="http://schemas.microsoft.com/office/drawing/2014/main" id="{1A999C35-3AAE-4FDE-8420-551C2A1C44C9}"/>
+              </a:ext>
+            </a:extLst>
+          </p:cNvPr>
+          <p:cNvPicPr>
+            <a:picLocks noChangeAspect="1" noChangeArrowheads="1"/>
+          </p:cNvPicPr>
+          <p:nvPr/>
+        </p:nvPicPr>
+        <p:blipFill>
+          <a:blip r:embed="rId2" cstate="hqprint">
+            <a:extLst>
+              <a:ext uri="{28A0092B-C50C-407E-A947-70E740481C1C}">
+                <a14:useLocalDpi xmlns:a14="http://schemas.microsoft.com/office/drawing/2010/main" val="0"/>
+              </a:ext>
+            </a:extLst>
+          </a:blip>
+          <a:srcRect/>
+          <a:stretch>
+            <a:fillRect/>
+          </a:stretch>
+        </p:blipFill>
+        <p:spPr bwMode="auto">
+          <a:xfrm>
+            <a:off x="11274805" y="0"/>
+            <a:ext cx="917196" cy="917196"/>
+          </a:xfrm>
+          <a:prstGeom prst="rect">
+            <a:avLst/>
+          </a:prstGeom>
+          <a:noFill/>
+          <a:extLst>
+            <a:ext uri="{909E8E84-426E-40DD-AFC4-6F175D3DCCD1}">
+              <a14:hiddenFill xmlns:a14="http://schemas.microsoft.com/office/drawing/2010/main">
+                <a:solidFill>
+                  <a:srgbClr val="FFFFFF"/>
+                </a:solidFill>
+              </a14:hiddenFill>
+            </a:ext>
+          </a:extLst>
+        </p:spPr>
+      </p:pic>
+      <p:pic>
+        <p:nvPicPr>
+          <p:cNvPr id="3" name="그림 2"/>
+          <p:cNvPicPr>
+            <a:picLocks noChangeAspect="1"/>
+          </p:cNvPicPr>
+          <p:nvPr/>
+        </p:nvPicPr>
+        <p:blipFill>
+          <a:blip r:embed="rId3"/>
+          <a:stretch>
+            <a:fillRect/>
+          </a:stretch>
+        </p:blipFill>
+        <p:spPr>
+          <a:xfrm>
+            <a:off x="610999" y="1058332"/>
+            <a:ext cx="11005268" cy="5706533"/>
+          </a:xfrm>
+          <a:prstGeom prst="rect">
+            <a:avLst/>
+          </a:prstGeom>
+        </p:spPr>
+      </p:pic>
+    </p:spTree>
+    <p:extLst>
+      <p:ext uri="{BB962C8B-B14F-4D97-AF65-F5344CB8AC3E}">
+        <p14:creationId xmlns:p14="http://schemas.microsoft.com/office/powerpoint/2010/main" val="1438042653"/>
+      </p:ext>
+    </p:extLst>
+  </p:cSld>
+  <p:clrMapOvr>
+    <a:masterClrMapping/>
+  </p:clrMapOvr>
+</p:sld>
+</file>
+
+<file path=ppt/slides/slide6.xml><?xml version="1.0" encoding="utf-8"?>
+<p:sld xmlns:a="http://schemas.openxmlformats.org/drawingml/2006/main" xmlns:r="http://schemas.openxmlformats.org/officeDocument/2006/relationships" xmlns:p="http://schemas.openxmlformats.org/presentationml/2006/main">
+  <p:cSld>
+    <p:spTree>
+      <p:nvGrpSpPr>
+        <p:cNvPr id="1" name=""/>
+        <p:cNvGrpSpPr/>
+        <p:nvPr/>
+      </p:nvGrpSpPr>
+      <p:grpSpPr>
+        <a:xfrm>
+          <a:off x="0" y="0"/>
+          <a:ext cx="0" cy="0"/>
+          <a:chOff x="0" y="0"/>
+          <a:chExt cx="0" cy="0"/>
+        </a:xfrm>
+      </p:grpSpPr>
+      <p:cxnSp>
+        <p:nvCxnSpPr>
+          <p:cNvPr id="5" name="직선 연결선 4">
+            <a:extLst>
+              <a:ext uri="{FF2B5EF4-FFF2-40B4-BE49-F238E27FC236}">
+                <a16:creationId xmlns:a16="http://schemas.microsoft.com/office/drawing/2014/main" id="{C62FA2ED-E79E-4144-824C-5BA3DAFB5038}"/>
+              </a:ext>
+            </a:extLst>
+          </p:cNvPr>
+          <p:cNvCxnSpPr/>
+          <p:nvPr/>
+        </p:nvCxnSpPr>
+        <p:spPr>
+          <a:xfrm>
+            <a:off x="610999" y="977441"/>
+            <a:ext cx="9991288" cy="0"/>
+          </a:xfrm>
+          <a:prstGeom prst="line">
+            <a:avLst/>
+          </a:prstGeom>
+          <a:ln w="38100">
+            <a:solidFill>
+              <a:srgbClr val="00B0F0"/>
+            </a:solidFill>
+          </a:ln>
+        </p:spPr>
+        <p:style>
+          <a:lnRef idx="1">
+            <a:schemeClr val="accent1"/>
+          </a:lnRef>
+          <a:fillRef idx="0">
+            <a:schemeClr val="accent1"/>
+          </a:fillRef>
+          <a:effectRef idx="0">
+            <a:schemeClr val="accent1"/>
+          </a:effectRef>
+          <a:fontRef idx="minor">
+            <a:schemeClr val="tx1"/>
+          </a:fontRef>
+        </p:style>
+      </p:cxnSp>
+      <p:sp>
+        <p:nvSpPr>
+          <p:cNvPr id="9" name="TextBox 8">
+            <a:extLst>
+              <a:ext uri="{FF2B5EF4-FFF2-40B4-BE49-F238E27FC236}">
+                <a16:creationId xmlns:a16="http://schemas.microsoft.com/office/drawing/2014/main" id="{3CA1144B-556E-46A8-AC20-517F39654735}"/>
+              </a:ext>
+            </a:extLst>
+          </p:cNvPr>
+          <p:cNvSpPr txBox="1"/>
+          <p:nvPr/>
+        </p:nvSpPr>
+        <p:spPr>
+          <a:xfrm>
+            <a:off x="543886" y="198324"/>
+            <a:ext cx="9128620" cy="784830"/>
+          </a:xfrm>
+          <a:prstGeom prst="rect">
+            <a:avLst/>
+          </a:prstGeom>
+          <a:noFill/>
+        </p:spPr>
+        <p:txBody>
+          <a:bodyPr wrap="square" rtlCol="0">
+            <a:spAutoFit/>
+          </a:bodyPr>
+          <a:lstStyle/>
+          <a:p>
+            <a:r>
+              <a:rPr lang="en-US" altLang="ko-KR" sz="4500" dirty="0" smtClean="0">
+                <a:solidFill>
+                  <a:srgbClr val="00B0F0"/>
+                </a:solidFill>
+              </a:rPr>
+              <a:t>Tic Tac Toe </a:t>
+            </a:r>
+            <a:r>
+              <a:rPr lang="ko-KR" altLang="en-US" sz="4500" dirty="0" smtClean="0">
+                <a:solidFill>
+                  <a:srgbClr val="00B0F0"/>
+                </a:solidFill>
+              </a:rPr>
+              <a:t>진행 </a:t>
+            </a:r>
+            <a:r>
+              <a:rPr lang="ko-KR" altLang="en-US" sz="4500" dirty="0">
+                <a:solidFill>
+                  <a:srgbClr val="00B0F0"/>
+                </a:solidFill>
+              </a:rPr>
+              <a:t>상황</a:t>
+            </a:r>
+          </a:p>
+        </p:txBody>
+      </p:sp>
+      <p:pic>
+        <p:nvPicPr>
+          <p:cNvPr id="11" name="Picture 2" descr="한림대학교Hallym University - YouTube">
+            <a:extLst>
+              <a:ext uri="{FF2B5EF4-FFF2-40B4-BE49-F238E27FC236}">
+                <a16:creationId xmlns:a16="http://schemas.microsoft.com/office/drawing/2014/main" id="{1A999C35-3AAE-4FDE-8420-551C2A1C44C9}"/>
+              </a:ext>
+            </a:extLst>
+          </p:cNvPr>
+          <p:cNvPicPr>
+            <a:picLocks noChangeAspect="1" noChangeArrowheads="1"/>
+          </p:cNvPicPr>
+          <p:nvPr/>
+        </p:nvPicPr>
+        <p:blipFill>
+          <a:blip r:embed="rId2" cstate="hqprint">
+            <a:extLst>
+              <a:ext uri="{28A0092B-C50C-407E-A947-70E740481C1C}">
+                <a14:useLocalDpi xmlns:a14="http://schemas.microsoft.com/office/drawing/2010/main" val="0"/>
+              </a:ext>
+            </a:extLst>
+          </a:blip>
+          <a:srcRect/>
+          <a:stretch>
+            <a:fillRect/>
+          </a:stretch>
+        </p:blipFill>
+        <p:spPr bwMode="auto">
+          <a:xfrm>
+            <a:off x="11274805" y="0"/>
+            <a:ext cx="917196" cy="917196"/>
+          </a:xfrm>
+          <a:prstGeom prst="rect">
+            <a:avLst/>
+          </a:prstGeom>
+          <a:noFill/>
+          <a:extLst>
+            <a:ext uri="{909E8E84-426E-40DD-AFC4-6F175D3DCCD1}">
+              <a14:hiddenFill xmlns:a14="http://schemas.microsoft.com/office/drawing/2010/main">
+                <a:solidFill>
+                  <a:srgbClr val="FFFFFF"/>
+                </a:solidFill>
+              </a14:hiddenFill>
+            </a:ext>
+          </a:extLst>
+        </p:spPr>
+      </p:pic>
+      <p:pic>
+        <p:nvPicPr>
+          <p:cNvPr id="3" name="그림 2"/>
+          <p:cNvPicPr>
+            <a:picLocks noChangeAspect="1"/>
+          </p:cNvPicPr>
+          <p:nvPr/>
+        </p:nvPicPr>
+        <p:blipFill>
+          <a:blip r:embed="rId3"/>
+          <a:stretch>
+            <a:fillRect/>
+          </a:stretch>
+        </p:blipFill>
+        <p:spPr>
+          <a:xfrm>
+            <a:off x="623454" y="1194586"/>
+            <a:ext cx="5007379" cy="5256090"/>
+          </a:xfrm>
+          <a:prstGeom prst="rect">
+            <a:avLst/>
+          </a:prstGeom>
+        </p:spPr>
+      </p:pic>
+      <p:pic>
+        <p:nvPicPr>
+          <p:cNvPr id="4" name="그림 3"/>
+          <p:cNvPicPr>
+            <a:picLocks noChangeAspect="1"/>
+          </p:cNvPicPr>
+          <p:nvPr/>
+        </p:nvPicPr>
+        <p:blipFill>
+          <a:blip r:embed="rId4"/>
+          <a:stretch>
+            <a:fillRect/>
+          </a:stretch>
+        </p:blipFill>
+        <p:spPr>
+          <a:xfrm>
+            <a:off x="5877097" y="1194586"/>
+            <a:ext cx="5007379" cy="5256090"/>
+          </a:xfrm>
+          <a:prstGeom prst="rect">
+            <a:avLst/>
+          </a:prstGeom>
+        </p:spPr>
+      </p:pic>
+      <p:pic>
+        <p:nvPicPr>
+          <p:cNvPr id="7" name="그림 6"/>
+          <p:cNvPicPr>
+            <a:picLocks noChangeAspect="1"/>
+          </p:cNvPicPr>
+          <p:nvPr/>
+        </p:nvPicPr>
+        <p:blipFill>
+          <a:blip r:embed="rId5"/>
+          <a:stretch>
+            <a:fillRect/>
+          </a:stretch>
+        </p:blipFill>
+        <p:spPr>
+          <a:xfrm>
+            <a:off x="9741476" y="6136351"/>
+            <a:ext cx="1143000" cy="314325"/>
           </a:xfrm>
           <a:prstGeom prst="rect">
             <a:avLst/>

--- a/씨애랑_SW전시회_ppt.pptx
+++ b/씨애랑_SW전시회_ppt.pptx
@@ -264,7 +264,7 @@
           <a:p>
             <a:fld id="{9B32EAF0-FF3A-4BDF-BCB7-82D6812D32E9}" type="datetimeFigureOut">
               <a:rPr lang="ko-KR" altLang="en-US" smtClean="0"/>
-              <a:t>2022-10-30</a:t>
+              <a:t>2022-11-16</a:t>
             </a:fld>
             <a:endParaRPr lang="ko-KR" altLang="en-US"/>
           </a:p>
@@ -462,7 +462,7 @@
           <a:p>
             <a:fld id="{9B32EAF0-FF3A-4BDF-BCB7-82D6812D32E9}" type="datetimeFigureOut">
               <a:rPr lang="ko-KR" altLang="en-US" smtClean="0"/>
-              <a:t>2022-10-30</a:t>
+              <a:t>2022-11-16</a:t>
             </a:fld>
             <a:endParaRPr lang="ko-KR" altLang="en-US"/>
           </a:p>
@@ -670,7 +670,7 @@
           <a:p>
             <a:fld id="{9B32EAF0-FF3A-4BDF-BCB7-82D6812D32E9}" type="datetimeFigureOut">
               <a:rPr lang="ko-KR" altLang="en-US" smtClean="0"/>
-              <a:t>2022-10-30</a:t>
+              <a:t>2022-11-16</a:t>
             </a:fld>
             <a:endParaRPr lang="ko-KR" altLang="en-US"/>
           </a:p>
@@ -868,7 +868,7 @@
           <a:p>
             <a:fld id="{9B32EAF0-FF3A-4BDF-BCB7-82D6812D32E9}" type="datetimeFigureOut">
               <a:rPr lang="ko-KR" altLang="en-US" smtClean="0"/>
-              <a:t>2022-10-30</a:t>
+              <a:t>2022-11-16</a:t>
             </a:fld>
             <a:endParaRPr lang="ko-KR" altLang="en-US"/>
           </a:p>
@@ -1143,7 +1143,7 @@
           <a:p>
             <a:fld id="{9B32EAF0-FF3A-4BDF-BCB7-82D6812D32E9}" type="datetimeFigureOut">
               <a:rPr lang="ko-KR" altLang="en-US" smtClean="0"/>
-              <a:t>2022-10-30</a:t>
+              <a:t>2022-11-16</a:t>
             </a:fld>
             <a:endParaRPr lang="ko-KR" altLang="en-US"/>
           </a:p>
@@ -1408,7 +1408,7 @@
           <a:p>
             <a:fld id="{9B32EAF0-FF3A-4BDF-BCB7-82D6812D32E9}" type="datetimeFigureOut">
               <a:rPr lang="ko-KR" altLang="en-US" smtClean="0"/>
-              <a:t>2022-10-30</a:t>
+              <a:t>2022-11-16</a:t>
             </a:fld>
             <a:endParaRPr lang="ko-KR" altLang="en-US"/>
           </a:p>
@@ -1820,7 +1820,7 @@
           <a:p>
             <a:fld id="{9B32EAF0-FF3A-4BDF-BCB7-82D6812D32E9}" type="datetimeFigureOut">
               <a:rPr lang="ko-KR" altLang="en-US" smtClean="0"/>
-              <a:t>2022-10-30</a:t>
+              <a:t>2022-11-16</a:t>
             </a:fld>
             <a:endParaRPr lang="ko-KR" altLang="en-US"/>
           </a:p>
@@ -1961,7 +1961,7 @@
           <a:p>
             <a:fld id="{9B32EAF0-FF3A-4BDF-BCB7-82D6812D32E9}" type="datetimeFigureOut">
               <a:rPr lang="ko-KR" altLang="en-US" smtClean="0"/>
-              <a:t>2022-10-30</a:t>
+              <a:t>2022-11-16</a:t>
             </a:fld>
             <a:endParaRPr lang="ko-KR" altLang="en-US"/>
           </a:p>
@@ -2074,7 +2074,7 @@
           <a:p>
             <a:fld id="{9B32EAF0-FF3A-4BDF-BCB7-82D6812D32E9}" type="datetimeFigureOut">
               <a:rPr lang="ko-KR" altLang="en-US" smtClean="0"/>
-              <a:t>2022-10-30</a:t>
+              <a:t>2022-11-16</a:t>
             </a:fld>
             <a:endParaRPr lang="ko-KR" altLang="en-US"/>
           </a:p>
@@ -2385,7 +2385,7 @@
           <a:p>
             <a:fld id="{9B32EAF0-FF3A-4BDF-BCB7-82D6812D32E9}" type="datetimeFigureOut">
               <a:rPr lang="ko-KR" altLang="en-US" smtClean="0"/>
-              <a:t>2022-10-30</a:t>
+              <a:t>2022-11-16</a:t>
             </a:fld>
             <a:endParaRPr lang="ko-KR" altLang="en-US"/>
           </a:p>
@@ -2673,7 +2673,7 @@
           <a:p>
             <a:fld id="{9B32EAF0-FF3A-4BDF-BCB7-82D6812D32E9}" type="datetimeFigureOut">
               <a:rPr lang="ko-KR" altLang="en-US" smtClean="0"/>
-              <a:t>2022-10-30</a:t>
+              <a:t>2022-11-16</a:t>
             </a:fld>
             <a:endParaRPr lang="ko-KR" altLang="en-US"/>
           </a:p>
@@ -2914,7 +2914,7 @@
           <a:p>
             <a:fld id="{9B32EAF0-FF3A-4BDF-BCB7-82D6812D32E9}" type="datetimeFigureOut">
               <a:rPr lang="ko-KR" altLang="en-US" smtClean="0"/>
-              <a:t>2022-10-30</a:t>
+              <a:t>2022-11-16</a:t>
             </a:fld>
             <a:endParaRPr lang="ko-KR" altLang="en-US"/>
           </a:p>
@@ -3836,7 +3836,52 @@
                 </a:solidFill>
                 <a:latin typeface="+mj-ea"/>
               </a:rPr>
-              <a:t> Oh</a:t>
+              <a:t> </a:t>
+            </a:r>
+            <a:r>
+              <a:rPr lang="en-US" altLang="ko-KR" b="1" dirty="0" smtClean="0">
+                <a:solidFill>
+                  <a:srgbClr val="00B0F0"/>
+                </a:solidFill>
+                <a:latin typeface="+mj-ea"/>
+              </a:rPr>
+              <a:t>Oh, </a:t>
+            </a:r>
+            <a:r>
+              <a:rPr lang="en-US" altLang="ko-KR" b="1" dirty="0" err="1" smtClean="0">
+                <a:solidFill>
+                  <a:srgbClr val="00B0F0"/>
+                </a:solidFill>
+                <a:latin typeface="+mj-ea"/>
+              </a:rPr>
+              <a:t>K</a:t>
+            </a:r>
+            <a:r>
+              <a:rPr lang="en-US" altLang="ko-KR" b="1" dirty="0" err="1" smtClean="0">
+                <a:solidFill>
+                  <a:srgbClr val="00B0F0"/>
+                </a:solidFill>
+                <a:latin typeface="+mj-ea"/>
+              </a:rPr>
+              <a:t>yuMin</a:t>
+            </a:r>
+            <a:r>
+              <a:rPr lang="en-US" altLang="ko-KR" b="1" dirty="0" smtClean="0">
+                <a:solidFill>
+                  <a:srgbClr val="00B0F0"/>
+                </a:solidFill>
+                <a:latin typeface="+mj-ea"/>
+              </a:rPr>
+              <a:t> </a:t>
+            </a:r>
+            <a:r>
+              <a:rPr lang="en-US" altLang="ko-KR" b="1" dirty="0">
+                <a:solidFill>
+                  <a:srgbClr val="00B0F0"/>
+                </a:solidFill>
+                <a:latin typeface="+mj-ea"/>
+              </a:rPr>
+              <a:t>Kim </a:t>
             </a:r>
             <a:endParaRPr lang="en-US" altLang="ko-KR" b="1" dirty="0">
               <a:solidFill>
@@ -4616,18 +4661,7 @@
                 <a:ea typeface="Times New Roman" panose="02020603050405020304" pitchFamily="18" charset="0"/>
                 <a:cs typeface="Times New Roman" panose="02020603050405020304" pitchFamily="18" charset="0"/>
               </a:rPr>
-              <a:t>Tic </a:t>
-            </a:r>
-            <a:r>
-              <a:rPr lang="en-US" altLang="ko-KR" kern="100" dirty="0" smtClean="0">
-                <a:solidFill>
-                  <a:srgbClr val="00B0F0"/>
-                </a:solidFill>
-                <a:latin typeface="맑은 고딕" panose="020B0503020000020004" pitchFamily="50" charset="-127"/>
-                <a:ea typeface="Times New Roman" panose="02020603050405020304" pitchFamily="18" charset="0"/>
-                <a:cs typeface="Times New Roman" panose="02020603050405020304" pitchFamily="18" charset="0"/>
-              </a:rPr>
-              <a:t>Tac Toe </a:t>
+              <a:t>Tic Tac Toe </a:t>
             </a:r>
             <a:r>
               <a:rPr lang="ko-KR" altLang="en-US" kern="100" dirty="0" smtClean="0">
@@ -4693,17 +4727,7 @@
                 <a:latin typeface="Calibri" panose="020F0502020204030204" pitchFamily="34" charset="0"/>
                 <a:cs typeface="Times New Roman" panose="02020603050405020304" pitchFamily="18" charset="0"/>
               </a:rPr>
-              <a:t>강화 </a:t>
-            </a:r>
-            <a:r>
-              <a:rPr lang="ko-KR" altLang="en-US" kern="100" dirty="0" smtClean="0">
-                <a:solidFill>
-                  <a:srgbClr val="00B0F0"/>
-                </a:solidFill>
-                <a:latin typeface="Calibri" panose="020F0502020204030204" pitchFamily="34" charset="0"/>
-                <a:cs typeface="Times New Roman" panose="02020603050405020304" pitchFamily="18" charset="0"/>
-              </a:rPr>
-              <a:t>학습 연구 </a:t>
+              <a:t>강화 학습 연구 </a:t>
             </a:r>
             <a:r>
               <a:rPr lang="ko-KR" altLang="ko-KR" kern="100" dirty="0" smtClean="0">
@@ -5038,7 +5062,7 @@
         <p:spPr>
           <a:xfrm>
             <a:off x="543885" y="1160735"/>
-            <a:ext cx="11215723" cy="1892826"/>
+            <a:ext cx="11215723" cy="3426579"/>
           </a:xfrm>
           <a:prstGeom prst="rect">
             <a:avLst/>
@@ -5056,88 +5080,21 @@
               </a:spcBef>
             </a:pPr>
             <a:r>
-              <a:rPr lang="ko-KR" altLang="en-US" kern="0" dirty="0" smtClean="0">
+              <a:rPr lang="ko-KR" altLang="en-US" kern="0" dirty="0">
                 <a:solidFill>
                   <a:srgbClr val="00B0F0"/>
                 </a:solidFill>
                 <a:latin typeface="Calibri" panose="020F0502020204030204" pitchFamily="34" charset="0"/>
                 <a:cs typeface="맑은 고딕" panose="020B0503020000020004" pitchFamily="50" charset="-127"/>
               </a:rPr>
-              <a:t>앞으로의 계획</a:t>
-            </a:r>
-            <a:r>
-              <a:rPr lang="en-US" altLang="ko-KR" kern="0" dirty="0">
-                <a:solidFill>
-                  <a:srgbClr val="00B0F0"/>
-                </a:solidFill>
-                <a:latin typeface="맑은 고딕" panose="020B0503020000020004" pitchFamily="50" charset="-127"/>
-                <a:cs typeface="Arial" panose="020B0604020202020204" pitchFamily="34" charset="0"/>
-              </a:rPr>
-              <a:t> </a:t>
-            </a:r>
-            <a:endParaRPr lang="ko-KR" altLang="ko-KR" sz="1200" kern="100" dirty="0">
+              <a:t>어려운 점</a:t>
+            </a:r>
+            <a:endParaRPr lang="en-US" altLang="ko-KR" kern="0" dirty="0">
               <a:solidFill>
                 <a:srgbClr val="00B0F0"/>
               </a:solidFill>
               <a:latin typeface="Calibri" panose="020F0502020204030204" pitchFamily="34" charset="0"/>
-              <a:cs typeface="Times New Roman" panose="02020603050405020304" pitchFamily="18" charset="0"/>
-            </a:endParaRPr>
-          </a:p>
-          <a:p>
-            <a:pPr marL="205105" latinLnBrk="0">
-              <a:spcBef>
-                <a:spcPts val="575"/>
-              </a:spcBef>
-              <a:tabLst>
-                <a:tab pos="1663700" algn="l"/>
-              </a:tabLst>
-            </a:pPr>
-            <a:r>
-              <a:rPr lang="en-US" altLang="ko-KR" kern="0" dirty="0" smtClean="0">
-                <a:solidFill>
-                  <a:srgbClr val="00B0F0"/>
-                </a:solidFill>
-                <a:latin typeface="맑은 고딕" panose="020B0503020000020004" pitchFamily="50" charset="-127"/>
-                <a:cs typeface="Arial" panose="020B0604020202020204" pitchFamily="34" charset="0"/>
-              </a:rPr>
-              <a:t>-  </a:t>
-            </a:r>
-            <a:r>
-              <a:rPr lang="ko-KR" altLang="en-US" kern="0" dirty="0" smtClean="0">
-                <a:solidFill>
-                  <a:srgbClr val="00B0F0"/>
-                </a:solidFill>
-                <a:latin typeface="맑은 고딕" panose="020B0503020000020004" pitchFamily="50" charset="-127"/>
-                <a:cs typeface="Arial" panose="020B0604020202020204" pitchFamily="34" charset="0"/>
-              </a:rPr>
-              <a:t>강화 </a:t>
-            </a:r>
-            <a:r>
-              <a:rPr lang="ko-KR" altLang="en-US" kern="0" dirty="0" smtClean="0">
-                <a:solidFill>
-                  <a:srgbClr val="00B0F0"/>
-                </a:solidFill>
-                <a:latin typeface="맑은 고딕" panose="020B0503020000020004" pitchFamily="50" charset="-127"/>
-                <a:cs typeface="Arial" panose="020B0604020202020204" pitchFamily="34" charset="0"/>
-              </a:rPr>
-              <a:t>학습 공부 후 적용 해 보기</a:t>
-            </a:r>
-            <a:r>
-              <a:rPr lang="en-US" altLang="ko-KR" kern="0" dirty="0" smtClean="0">
-                <a:solidFill>
-                  <a:srgbClr val="00B0F0"/>
-                </a:solidFill>
-                <a:latin typeface="맑은 고딕" panose="020B0503020000020004" pitchFamily="50" charset="-127"/>
-                <a:cs typeface="맑은 고딕" panose="020B0503020000020004" pitchFamily="50" charset="-127"/>
-              </a:rPr>
-              <a:t> </a:t>
-            </a:r>
-            <a:endParaRPr lang="ko-KR" altLang="ko-KR" sz="1200" kern="100" dirty="0" smtClean="0">
-              <a:solidFill>
-                <a:srgbClr val="00B0F0"/>
-              </a:solidFill>
-              <a:latin typeface="Calibri" panose="020F0502020204030204" pitchFamily="34" charset="0"/>
-              <a:cs typeface="Times New Roman" panose="02020603050405020304" pitchFamily="18" charset="0"/>
+              <a:cs typeface="맑은 고딕" panose="020B0503020000020004" pitchFamily="50" charset="-127"/>
             </a:endParaRPr>
           </a:p>
           <a:p>
@@ -5146,6 +5103,95 @@
                 <a:spcPts val="440"/>
               </a:spcBef>
             </a:pPr>
+            <a:r>
+              <a:rPr lang="en-US" altLang="ko-KR" kern="0" dirty="0">
+                <a:solidFill>
+                  <a:srgbClr val="00B0F0"/>
+                </a:solidFill>
+                <a:latin typeface="맑은 고딕" panose="020B0503020000020004" pitchFamily="50" charset="-127"/>
+                <a:cs typeface="Arial" panose="020B0604020202020204" pitchFamily="34" charset="0"/>
+              </a:rPr>
+              <a:t>-  </a:t>
+            </a:r>
+            <a:r>
+              <a:rPr lang="ko-KR" altLang="en-US" kern="0" dirty="0">
+                <a:solidFill>
+                  <a:srgbClr val="00B0F0"/>
+                </a:solidFill>
+                <a:latin typeface="맑은 고딕" panose="020B0503020000020004" pitchFamily="50" charset="-127"/>
+                <a:cs typeface="Arial" panose="020B0604020202020204" pitchFamily="34" charset="0"/>
+              </a:rPr>
+              <a:t>강화 학습을 지금 수준에 연구하기가 굉장히 어려움</a:t>
+            </a:r>
+            <a:r>
+              <a:rPr lang="en-US" altLang="ko-KR" kern="0" dirty="0">
+                <a:solidFill>
+                  <a:srgbClr val="00B0F0"/>
+                </a:solidFill>
+                <a:latin typeface="맑은 고딕" panose="020B0503020000020004" pitchFamily="50" charset="-127"/>
+                <a:cs typeface="Arial" panose="020B0604020202020204" pitchFamily="34" charset="0"/>
+              </a:rPr>
+              <a:t>, </a:t>
+            </a:r>
+            <a:r>
+              <a:rPr lang="ko-KR" altLang="en-US" kern="0" dirty="0">
+                <a:solidFill>
+                  <a:srgbClr val="00B0F0"/>
+                </a:solidFill>
+                <a:latin typeface="맑은 고딕" panose="020B0503020000020004" pitchFamily="50" charset="-127"/>
+                <a:cs typeface="Arial" panose="020B0604020202020204" pitchFamily="34" charset="0"/>
+              </a:rPr>
+              <a:t>구현 성공에 대한 불확실성이 </a:t>
+            </a:r>
+            <a:r>
+              <a:rPr lang="ko-KR" altLang="en-US" kern="0" dirty="0" smtClean="0">
+                <a:solidFill>
+                  <a:srgbClr val="00B0F0"/>
+                </a:solidFill>
+                <a:latin typeface="맑은 고딕" panose="020B0503020000020004" pitchFamily="50" charset="-127"/>
+                <a:cs typeface="Arial" panose="020B0604020202020204" pitchFamily="34" charset="0"/>
+              </a:rPr>
+              <a:t>있음</a:t>
+            </a:r>
+            <a:endParaRPr lang="en-US" altLang="ko-KR" kern="0" dirty="0" smtClean="0">
+              <a:solidFill>
+                <a:srgbClr val="00B0F0"/>
+              </a:solidFill>
+              <a:latin typeface="맑은 고딕" panose="020B0503020000020004" pitchFamily="50" charset="-127"/>
+              <a:cs typeface="Arial" panose="020B0604020202020204" pitchFamily="34" charset="0"/>
+            </a:endParaRPr>
+          </a:p>
+          <a:p>
+            <a:pPr marL="195580" latinLnBrk="0">
+              <a:spcBef>
+                <a:spcPts val="440"/>
+              </a:spcBef>
+            </a:pPr>
+            <a:endParaRPr lang="en-US" altLang="ko-KR" kern="0" dirty="0">
+              <a:solidFill>
+                <a:srgbClr val="00B0F0"/>
+              </a:solidFill>
+              <a:latin typeface="맑은 고딕" panose="020B0503020000020004" pitchFamily="50" charset="-127"/>
+              <a:ea typeface="Times New Roman" panose="02020603050405020304" pitchFamily="18" charset="0"/>
+              <a:cs typeface="Arial" panose="020B0604020202020204" pitchFamily="34" charset="0"/>
+            </a:endParaRPr>
+          </a:p>
+          <a:p>
+            <a:pPr marL="195580" latinLnBrk="0">
+              <a:spcBef>
+                <a:spcPts val="440"/>
+              </a:spcBef>
+            </a:pPr>
+            <a:r>
+              <a:rPr lang="ko-KR" altLang="en-US" kern="0" dirty="0" smtClean="0">
+                <a:solidFill>
+                  <a:srgbClr val="00B0F0"/>
+                </a:solidFill>
+                <a:latin typeface="Calibri" panose="020F0502020204030204" pitchFamily="34" charset="0"/>
+                <a:cs typeface="맑은 고딕" panose="020B0503020000020004" pitchFamily="50" charset="-127"/>
+              </a:rPr>
+              <a:t>결론</a:t>
+            </a:r>
             <a:endParaRPr lang="en-US" altLang="ko-KR" kern="0" dirty="0" smtClean="0">
               <a:solidFill>
                 <a:srgbClr val="00B0F0"/>
@@ -5161,21 +5207,102 @@
               </a:spcBef>
             </a:pPr>
             <a:r>
+              <a:rPr lang="en-US" altLang="ko-KR" kern="0" dirty="0" smtClean="0">
+                <a:solidFill>
+                  <a:srgbClr val="00B0F0"/>
+                </a:solidFill>
+                <a:latin typeface="맑은 고딕" panose="020B0503020000020004" pitchFamily="50" charset="-127"/>
+                <a:cs typeface="Arial" panose="020B0604020202020204" pitchFamily="34" charset="0"/>
+              </a:rPr>
+              <a:t>-</a:t>
+            </a:r>
+            <a:r>
+              <a:rPr lang="en-US" altLang="ko-KR" kern="0" dirty="0">
+                <a:solidFill>
+                  <a:srgbClr val="00B0F0"/>
+                </a:solidFill>
+                <a:latin typeface="맑은 고딕" panose="020B0503020000020004" pitchFamily="50" charset="-127"/>
+                <a:cs typeface="Arial" panose="020B0604020202020204" pitchFamily="34" charset="0"/>
+              </a:rPr>
+              <a:t>  </a:t>
+            </a:r>
+            <a:r>
               <a:rPr lang="ko-KR" altLang="en-US" kern="0" dirty="0" smtClean="0">
                 <a:solidFill>
                   <a:srgbClr val="00B0F0"/>
                 </a:solidFill>
-                <a:latin typeface="Calibri" panose="020F0502020204030204" pitchFamily="34" charset="0"/>
-                <a:cs typeface="맑은 고딕" panose="020B0503020000020004" pitchFamily="50" charset="-127"/>
-              </a:rPr>
-              <a:t>어려운 점</a:t>
-            </a:r>
-            <a:endParaRPr lang="en-US" altLang="ko-KR" kern="0" dirty="0" smtClean="0">
+                <a:latin typeface="맑은 고딕" panose="020B0503020000020004" pitchFamily="50" charset="-127"/>
+                <a:cs typeface="Arial" panose="020B0604020202020204" pitchFamily="34" charset="0"/>
+              </a:rPr>
+              <a:t>느낀 점 </a:t>
+            </a:r>
+            <a:r>
+              <a:rPr lang="en-US" altLang="ko-KR" kern="0" dirty="0" smtClean="0">
+                <a:solidFill>
+                  <a:srgbClr val="00B0F0"/>
+                </a:solidFill>
+                <a:latin typeface="맑은 고딕" panose="020B0503020000020004" pitchFamily="50" charset="-127"/>
+                <a:cs typeface="Arial" panose="020B0604020202020204" pitchFamily="34" charset="0"/>
+              </a:rPr>
+              <a:t>: </a:t>
+            </a:r>
+            <a:r>
+              <a:rPr lang="ko-KR" altLang="en-US" kern="0" dirty="0" smtClean="0">
+                <a:solidFill>
+                  <a:srgbClr val="00B0F0"/>
+                </a:solidFill>
+                <a:latin typeface="맑은 고딕" panose="020B0503020000020004" pitchFamily="50" charset="-127"/>
+                <a:cs typeface="Arial" panose="020B0604020202020204" pitchFamily="34" charset="0"/>
+              </a:rPr>
+              <a:t>강화 학습을 지금 수준에 연구하기가 굉장히 어려움</a:t>
+            </a:r>
+            <a:r>
+              <a:rPr lang="en-US" altLang="ko-KR" kern="0" dirty="0" smtClean="0">
+                <a:solidFill>
+                  <a:srgbClr val="00B0F0"/>
+                </a:solidFill>
+                <a:latin typeface="맑은 고딕" panose="020B0503020000020004" pitchFamily="50" charset="-127"/>
+                <a:cs typeface="Arial" panose="020B0604020202020204" pitchFamily="34" charset="0"/>
+              </a:rPr>
+              <a:t>, </a:t>
+            </a:r>
+            <a:r>
+              <a:rPr lang="ko-KR" altLang="en-US" kern="0" dirty="0" smtClean="0">
+                <a:solidFill>
+                  <a:srgbClr val="00B0F0"/>
+                </a:solidFill>
+                <a:latin typeface="맑은 고딕" panose="020B0503020000020004" pitchFamily="50" charset="-127"/>
+                <a:cs typeface="Arial" panose="020B0604020202020204" pitchFamily="34" charset="0"/>
+              </a:rPr>
+              <a:t>지금 수준에 맞는 연구를 고르는 게 맞았다고 결론을 내림</a:t>
+            </a:r>
+            <a:r>
+              <a:rPr lang="en-US" altLang="ko-KR" kern="0" dirty="0" smtClean="0">
+                <a:solidFill>
+                  <a:srgbClr val="00B0F0"/>
+                </a:solidFill>
+                <a:latin typeface="맑은 고딕" panose="020B0503020000020004" pitchFamily="50" charset="-127"/>
+                <a:cs typeface="Arial" panose="020B0604020202020204" pitchFamily="34" charset="0"/>
+              </a:rPr>
+              <a:t>. </a:t>
+            </a:r>
+            <a:r>
+              <a:rPr lang="ko-KR" altLang="en-US" kern="0" dirty="0" smtClean="0">
+                <a:solidFill>
+                  <a:srgbClr val="00B0F0"/>
+                </a:solidFill>
+                <a:latin typeface="맑은 고딕" panose="020B0503020000020004" pitchFamily="50" charset="-127"/>
+                <a:cs typeface="Arial" panose="020B0604020202020204" pitchFamily="34" charset="0"/>
+              </a:rPr>
+              <a:t>욕심을 내지 말자</a:t>
+            </a:r>
+            <a:endParaRPr lang="en-US" altLang="ko-KR" sz="1000" kern="0" dirty="0">
               <a:solidFill>
                 <a:srgbClr val="00B0F0"/>
               </a:solidFill>
-              <a:latin typeface="Calibri" panose="020F0502020204030204" pitchFamily="34" charset="0"/>
-              <a:cs typeface="맑은 고딕" panose="020B0503020000020004" pitchFamily="50" charset="-127"/>
+              <a:latin typeface="맑은 고딕" panose="020B0503020000020004" pitchFamily="50" charset="-127"/>
+              <a:ea typeface="Times New Roman" panose="02020603050405020304" pitchFamily="18" charset="0"/>
+              <a:cs typeface="Arial" panose="020B0604020202020204" pitchFamily="34" charset="0"/>
             </a:endParaRPr>
           </a:p>
           <a:p>
@@ -5184,74 +5311,97 @@
                 <a:spcPts val="440"/>
               </a:spcBef>
             </a:pPr>
-            <a:r>
-              <a:rPr lang="en-US" altLang="ko-KR" kern="0" dirty="0" smtClean="0">
-                <a:solidFill>
-                  <a:srgbClr val="00B0F0"/>
-                </a:solidFill>
-                <a:latin typeface="맑은 고딕" panose="020B0503020000020004" pitchFamily="50" charset="-127"/>
-                <a:cs typeface="Arial" panose="020B0604020202020204" pitchFamily="34" charset="0"/>
-              </a:rPr>
-              <a:t>-</a:t>
-            </a:r>
-            <a:r>
-              <a:rPr lang="en-US" altLang="ko-KR" kern="0" dirty="0">
-                <a:solidFill>
-                  <a:srgbClr val="00B0F0"/>
-                </a:solidFill>
-                <a:latin typeface="맑은 고딕" panose="020B0503020000020004" pitchFamily="50" charset="-127"/>
-                <a:cs typeface="Arial" panose="020B0604020202020204" pitchFamily="34" charset="0"/>
-              </a:rPr>
-              <a:t>  </a:t>
-            </a:r>
-            <a:r>
-              <a:rPr lang="ko-KR" altLang="en-US" kern="0" dirty="0" smtClean="0">
-                <a:solidFill>
-                  <a:srgbClr val="00B0F0"/>
-                </a:solidFill>
-                <a:latin typeface="맑은 고딕" panose="020B0503020000020004" pitchFamily="50" charset="-127"/>
-                <a:cs typeface="Arial" panose="020B0604020202020204" pitchFamily="34" charset="0"/>
-              </a:rPr>
-              <a:t>강화 학습을 지금 수준에 연구하기가 굉장히 어려움</a:t>
-            </a:r>
-            <a:r>
-              <a:rPr lang="en-US" altLang="ko-KR" kern="0" dirty="0" smtClean="0">
-                <a:solidFill>
-                  <a:srgbClr val="00B0F0"/>
-                </a:solidFill>
-                <a:latin typeface="맑은 고딕" panose="020B0503020000020004" pitchFamily="50" charset="-127"/>
-                <a:cs typeface="Arial" panose="020B0604020202020204" pitchFamily="34" charset="0"/>
-              </a:rPr>
-              <a:t>, </a:t>
-            </a:r>
-            <a:r>
-              <a:rPr lang="ko-KR" altLang="en-US" kern="0" dirty="0" smtClean="0">
-                <a:solidFill>
-                  <a:srgbClr val="00B0F0"/>
-                </a:solidFill>
-                <a:latin typeface="맑은 고딕" panose="020B0503020000020004" pitchFamily="50" charset="-127"/>
-                <a:cs typeface="Arial" panose="020B0604020202020204" pitchFamily="34" charset="0"/>
-              </a:rPr>
-              <a:t>구현 성공에 대한 불확실성이 있음</a:t>
-            </a:r>
-            <a:endParaRPr lang="en-US" altLang="ko-KR" sz="1200" kern="100" dirty="0" smtClean="0">
+            <a:endParaRPr lang="en-US" altLang="ko-KR" sz="1000" kern="0" dirty="0">
               <a:solidFill>
                 <a:srgbClr val="00B0F0"/>
               </a:solidFill>
-              <a:effectLst/>
+              <a:latin typeface="맑은 고딕" panose="020B0503020000020004" pitchFamily="50" charset="-127"/>
+              <a:ea typeface="Times New Roman" panose="02020603050405020304" pitchFamily="18" charset="0"/>
+              <a:cs typeface="Arial" panose="020B0604020202020204" pitchFamily="34" charset="0"/>
+            </a:endParaRPr>
+          </a:p>
+          <a:p>
+            <a:pPr marL="195580" latinLnBrk="0">
+              <a:spcBef>
+                <a:spcPts val="440"/>
+              </a:spcBef>
+            </a:pPr>
+            <a:endParaRPr lang="en-US" altLang="ko-KR" sz="1000" kern="0" dirty="0">
+              <a:solidFill>
+                <a:srgbClr val="00B0F0"/>
+              </a:solidFill>
+              <a:latin typeface="맑은 고딕" panose="020B0503020000020004" pitchFamily="50" charset="-127"/>
+              <a:ea typeface="Times New Roman" panose="02020603050405020304" pitchFamily="18" charset="0"/>
+              <a:cs typeface="Arial" panose="020B0604020202020204" pitchFamily="34" charset="0"/>
+            </a:endParaRPr>
+          </a:p>
+          <a:p>
+            <a:pPr marL="195580" latinLnBrk="0">
+              <a:spcBef>
+                <a:spcPts val="440"/>
+              </a:spcBef>
+            </a:pPr>
+            <a:endParaRPr lang="en-US" altLang="ko-KR" sz="1000" kern="0" dirty="0">
+              <a:solidFill>
+                <a:srgbClr val="00B0F0"/>
+              </a:solidFill>
+              <a:latin typeface="맑은 고딕" panose="020B0503020000020004" pitchFamily="50" charset="-127"/>
+              <a:ea typeface="Times New Roman" panose="02020603050405020304" pitchFamily="18" charset="0"/>
+              <a:cs typeface="Arial" panose="020B0604020202020204" pitchFamily="34" charset="0"/>
+            </a:endParaRPr>
+          </a:p>
+          <a:p>
+            <a:pPr marL="195580" latinLnBrk="0">
+              <a:spcBef>
+                <a:spcPts val="440"/>
+              </a:spcBef>
+            </a:pPr>
+            <a:endParaRPr lang="en-US" altLang="ko-KR" sz="1000" kern="0" dirty="0">
+              <a:solidFill>
+                <a:srgbClr val="00B0F0"/>
+              </a:solidFill>
+              <a:latin typeface="맑은 고딕" panose="020B0503020000020004" pitchFamily="50" charset="-127"/>
+              <a:ea typeface="Times New Roman" panose="02020603050405020304" pitchFamily="18" charset="0"/>
+              <a:cs typeface="Arial" panose="020B0604020202020204" pitchFamily="34" charset="0"/>
+            </a:endParaRPr>
+          </a:p>
+          <a:p>
+            <a:pPr marL="195580" latinLnBrk="0">
+              <a:spcBef>
+                <a:spcPts val="440"/>
+              </a:spcBef>
+            </a:pPr>
+            <a:endParaRPr lang="en-US" altLang="ko-KR" sz="1000" kern="0" dirty="0">
+              <a:solidFill>
+                <a:srgbClr val="00B0F0"/>
+              </a:solidFill>
+              <a:latin typeface="맑은 고딕" panose="020B0503020000020004" pitchFamily="50" charset="-127"/>
+              <a:ea typeface="Times New Roman" panose="02020603050405020304" pitchFamily="18" charset="0"/>
+              <a:cs typeface="Arial" panose="020B0604020202020204" pitchFamily="34" charset="0"/>
+            </a:endParaRPr>
+          </a:p>
+          <a:p>
+            <a:pPr marL="195580" latinLnBrk="0">
+              <a:spcBef>
+                <a:spcPts val="440"/>
+              </a:spcBef>
+            </a:pPr>
+            <a:endParaRPr lang="en-US" altLang="ko-KR" sz="1000" kern="100" dirty="0">
+              <a:solidFill>
+                <a:srgbClr val="00B0F0"/>
+              </a:solidFill>
               <a:latin typeface="Calibri" panose="020F0502020204030204" pitchFamily="34" charset="0"/>
               <a:ea typeface="Times New Roman" panose="02020603050405020304" pitchFamily="18" charset="0"/>
               <a:cs typeface="Times New Roman" panose="02020603050405020304" pitchFamily="18" charset="0"/>
             </a:endParaRPr>
           </a:p>
           <a:p>
-            <a:pPr lvl="0" algn="just">
-              <a:buClr>
-                <a:srgbClr val="000000"/>
-              </a:buClr>
-              <a:buSzPts val="1100"/>
+            <a:pPr marL="195580" latinLnBrk="0">
+              <a:spcBef>
+                <a:spcPts val="440"/>
+              </a:spcBef>
             </a:pPr>
-            <a:endParaRPr lang="en-US" altLang="ko-KR" sz="1200" kern="100" dirty="0" smtClean="0">
+            <a:endParaRPr lang="en-US" altLang="ko-KR" sz="1200" kern="100" dirty="0">
               <a:solidFill>
                 <a:srgbClr val="00B0F0"/>
               </a:solidFill>
@@ -5437,7 +5587,7 @@
       </p:pic>
       <p:pic>
         <p:nvPicPr>
-          <p:cNvPr id="2" name="그림 1"/>
+          <p:cNvPr id="3" name="그림 2"/>
           <p:cNvPicPr>
             <a:picLocks noChangeAspect="1"/>
           </p:cNvPicPr>
@@ -5451,8 +5601,8 @@
         </p:blipFill>
         <p:spPr>
           <a:xfrm>
-            <a:off x="610998" y="1154883"/>
-            <a:ext cx="4285197" cy="5603363"/>
+            <a:off x="610999" y="1154883"/>
+            <a:ext cx="4900339" cy="5584289"/>
           </a:xfrm>
           <a:prstGeom prst="rect">
             <a:avLst/>
@@ -5461,7 +5611,7 @@
       </p:pic>
       <p:pic>
         <p:nvPicPr>
-          <p:cNvPr id="6" name="그림 5"/>
+          <p:cNvPr id="4" name="그림 3"/>
           <p:cNvPicPr>
             <a:picLocks noChangeAspect="1"/>
           </p:cNvPicPr>
@@ -5475,8 +5625,8 @@
         </p:blipFill>
         <p:spPr>
           <a:xfrm>
-            <a:off x="6123241" y="1154883"/>
-            <a:ext cx="3780988" cy="5351639"/>
+            <a:off x="5883858" y="1154883"/>
+            <a:ext cx="4718430" cy="5584289"/>
           </a:xfrm>
           <a:prstGeom prst="rect">
             <a:avLst/>
@@ -5658,7 +5808,7 @@
       </p:pic>
       <p:pic>
         <p:nvPicPr>
-          <p:cNvPr id="3" name="그림 2"/>
+          <p:cNvPr id="2" name="그림 1"/>
           <p:cNvPicPr>
             <a:picLocks noChangeAspect="1"/>
           </p:cNvPicPr>
@@ -5672,8 +5822,8 @@
         </p:blipFill>
         <p:spPr>
           <a:xfrm>
-            <a:off x="610999" y="1058332"/>
-            <a:ext cx="11005268" cy="5706533"/>
+            <a:off x="610999" y="1172094"/>
+            <a:ext cx="9991288" cy="5478088"/>
           </a:xfrm>
           <a:prstGeom prst="rect">
             <a:avLst/>
@@ -5855,7 +6005,7 @@
       </p:pic>
       <p:pic>
         <p:nvPicPr>
-          <p:cNvPr id="3" name="그림 2"/>
+          <p:cNvPr id="2" name="그림 1"/>
           <p:cNvPicPr>
             <a:picLocks noChangeAspect="1"/>
           </p:cNvPicPr>
@@ -5869,8 +6019,8 @@
         </p:blipFill>
         <p:spPr>
           <a:xfrm>
-            <a:off x="623454" y="1194586"/>
-            <a:ext cx="5007379" cy="5256090"/>
+            <a:off x="543886" y="1194586"/>
+            <a:ext cx="4964548" cy="5256090"/>
           </a:xfrm>
           <a:prstGeom prst="rect">
             <a:avLst/>
@@ -5879,7 +6029,7 @@
       </p:pic>
       <p:pic>
         <p:nvPicPr>
-          <p:cNvPr id="4" name="그림 3"/>
+          <p:cNvPr id="6" name="그림 5"/>
           <p:cNvPicPr>
             <a:picLocks noChangeAspect="1"/>
           </p:cNvPicPr>
@@ -5893,8 +6043,8 @@
         </p:blipFill>
         <p:spPr>
           <a:xfrm>
-            <a:off x="5877097" y="1194586"/>
-            <a:ext cx="5007379" cy="5256090"/>
+            <a:off x="5958385" y="1194587"/>
+            <a:ext cx="4914662" cy="5256090"/>
           </a:xfrm>
           <a:prstGeom prst="rect">
             <a:avLst/>
@@ -5903,7 +6053,7 @@
       </p:pic>
       <p:pic>
         <p:nvPicPr>
-          <p:cNvPr id="7" name="그림 6"/>
+          <p:cNvPr id="8" name="그림 7"/>
           <p:cNvPicPr>
             <a:picLocks noChangeAspect="1"/>
           </p:cNvPicPr>
@@ -5917,8 +6067,8 @@
         </p:blipFill>
         <p:spPr>
           <a:xfrm>
-            <a:off x="9741476" y="6136351"/>
-            <a:ext cx="1143000" cy="314325"/>
+            <a:off x="9644151" y="6164886"/>
+            <a:ext cx="1228896" cy="285790"/>
           </a:xfrm>
           <a:prstGeom prst="rect">
             <a:avLst/>
